--- a/deliv3.pptx
+++ b/deliv3.pptx
@@ -5,7 +5,7 @@
     <p:sldMasterId id="2147483660" r:id="rId1"/>
   </p:sldMasterIdLst>
   <p:notesMasterIdLst>
-    <p:notesMasterId r:id="rId27"/>
+    <p:notesMasterId r:id="rId26"/>
   </p:notesMasterIdLst>
   <p:sldIdLst>
     <p:sldId id="256" r:id="rId2"/>
@@ -28,11 +28,10 @@
     <p:sldId id="273" r:id="rId19"/>
     <p:sldId id="274" r:id="rId20"/>
     <p:sldId id="275" r:id="rId21"/>
-    <p:sldId id="276" r:id="rId22"/>
-    <p:sldId id="277" r:id="rId23"/>
-    <p:sldId id="278" r:id="rId24"/>
-    <p:sldId id="279" r:id="rId25"/>
-    <p:sldId id="280" r:id="rId26"/>
+    <p:sldId id="277" r:id="rId22"/>
+    <p:sldId id="278" r:id="rId23"/>
+    <p:sldId id="279" r:id="rId24"/>
+    <p:sldId id="280" r:id="rId25"/>
   </p:sldIdLst>
   <p:sldSz cx="12192000" cy="6858000"/>
   <p:notesSz cx="6858000" cy="9144000"/>
@@ -232,7 +231,7 @@
           <a:p>
             <a:fld id="{8072567E-30F6-48C1-A7F8-F2089D702D7F}" type="datetimeFigureOut">
               <a:rPr lang="fr-CA" smtClean="0"/>
-              <a:t>2025-05-15</a:t>
+              <a:t>2025-05-16</a:t>
             </a:fld>
             <a:endParaRPr lang="fr-CA"/>
           </a:p>
@@ -1222,7 +1221,7 @@
           <a:p>
             <a:fld id="{26A48E00-28BD-426C-9AE4-ECDDF4979DA8}" type="datetimeFigureOut">
               <a:rPr lang="fr-CA" smtClean="0"/>
-              <a:t>2025-05-15</a:t>
+              <a:t>2025-05-16</a:t>
             </a:fld>
             <a:endParaRPr lang="fr-CA"/>
           </a:p>
@@ -1473,7 +1472,7 @@
           <a:p>
             <a:fld id="{26A48E00-28BD-426C-9AE4-ECDDF4979DA8}" type="datetimeFigureOut">
               <a:rPr lang="fr-CA" smtClean="0"/>
-              <a:t>2025-05-15</a:t>
+              <a:t>2025-05-16</a:t>
             </a:fld>
             <a:endParaRPr lang="fr-CA"/>
           </a:p>
@@ -1787,7 +1786,7 @@
           <a:p>
             <a:fld id="{26A48E00-28BD-426C-9AE4-ECDDF4979DA8}" type="datetimeFigureOut">
               <a:rPr lang="fr-CA" smtClean="0"/>
-              <a:t>2025-05-15</a:t>
+              <a:t>2025-05-16</a:t>
             </a:fld>
             <a:endParaRPr lang="fr-CA"/>
           </a:p>
@@ -2128,7 +2127,7 @@
           <a:p>
             <a:fld id="{26A48E00-28BD-426C-9AE4-ECDDF4979DA8}" type="datetimeFigureOut">
               <a:rPr lang="fr-CA" smtClean="0"/>
-              <a:t>2025-05-15</a:t>
+              <a:t>2025-05-16</a:t>
             </a:fld>
             <a:endParaRPr lang="fr-CA"/>
           </a:p>
@@ -2442,7 +2441,7 @@
           <a:p>
             <a:fld id="{26A48E00-28BD-426C-9AE4-ECDDF4979DA8}" type="datetimeFigureOut">
               <a:rPr lang="fr-CA" smtClean="0"/>
-              <a:t>2025-05-15</a:t>
+              <a:t>2025-05-16</a:t>
             </a:fld>
             <a:endParaRPr lang="fr-CA"/>
           </a:p>
@@ -2835,7 +2834,7 @@
           <a:p>
             <a:fld id="{26A48E00-28BD-426C-9AE4-ECDDF4979DA8}" type="datetimeFigureOut">
               <a:rPr lang="fr-CA" smtClean="0"/>
-              <a:t>2025-05-15</a:t>
+              <a:t>2025-05-16</a:t>
             </a:fld>
             <a:endParaRPr lang="fr-CA"/>
           </a:p>
@@ -3005,7 +3004,7 @@
           <a:p>
             <a:fld id="{26A48E00-28BD-426C-9AE4-ECDDF4979DA8}" type="datetimeFigureOut">
               <a:rPr lang="fr-CA" smtClean="0"/>
-              <a:t>2025-05-15</a:t>
+              <a:t>2025-05-16</a:t>
             </a:fld>
             <a:endParaRPr lang="fr-CA"/>
           </a:p>
@@ -3185,7 +3184,7 @@
           <a:p>
             <a:fld id="{26A48E00-28BD-426C-9AE4-ECDDF4979DA8}" type="datetimeFigureOut">
               <a:rPr lang="fr-CA" smtClean="0"/>
-              <a:t>2025-05-15</a:t>
+              <a:t>2025-05-16</a:t>
             </a:fld>
             <a:endParaRPr lang="fr-CA"/>
           </a:p>
@@ -3361,7 +3360,7 @@
           <a:p>
             <a:fld id="{26A48E00-28BD-426C-9AE4-ECDDF4979DA8}" type="datetimeFigureOut">
               <a:rPr lang="fr-CA" smtClean="0"/>
-              <a:t>2025-05-15</a:t>
+              <a:t>2025-05-16</a:t>
             </a:fld>
             <a:endParaRPr lang="fr-CA"/>
           </a:p>
@@ -3608,7 +3607,7 @@
           <a:p>
             <a:fld id="{26A48E00-28BD-426C-9AE4-ECDDF4979DA8}" type="datetimeFigureOut">
               <a:rPr lang="fr-CA" smtClean="0"/>
-              <a:t>2025-05-15</a:t>
+              <a:t>2025-05-16</a:t>
             </a:fld>
             <a:endParaRPr lang="fr-CA"/>
           </a:p>
@@ -3840,7 +3839,7 @@
           <a:p>
             <a:fld id="{26A48E00-28BD-426C-9AE4-ECDDF4979DA8}" type="datetimeFigureOut">
               <a:rPr lang="fr-CA" smtClean="0"/>
-              <a:t>2025-05-15</a:t>
+              <a:t>2025-05-16</a:t>
             </a:fld>
             <a:endParaRPr lang="fr-CA"/>
           </a:p>
@@ -4214,7 +4213,7 @@
           <a:p>
             <a:fld id="{26A48E00-28BD-426C-9AE4-ECDDF4979DA8}" type="datetimeFigureOut">
               <a:rPr lang="fr-CA" smtClean="0"/>
-              <a:t>2025-05-15</a:t>
+              <a:t>2025-05-16</a:t>
             </a:fld>
             <a:endParaRPr lang="fr-CA"/>
           </a:p>
@@ -4337,7 +4336,7 @@
           <a:p>
             <a:fld id="{26A48E00-28BD-426C-9AE4-ECDDF4979DA8}" type="datetimeFigureOut">
               <a:rPr lang="fr-CA" smtClean="0"/>
-              <a:t>2025-05-15</a:t>
+              <a:t>2025-05-16</a:t>
             </a:fld>
             <a:endParaRPr lang="fr-CA"/>
           </a:p>
@@ -4432,7 +4431,7 @@
           <a:p>
             <a:fld id="{26A48E00-28BD-426C-9AE4-ECDDF4979DA8}" type="datetimeFigureOut">
               <a:rPr lang="fr-CA" smtClean="0"/>
-              <a:t>2025-05-15</a:t>
+              <a:t>2025-05-16</a:t>
             </a:fld>
             <a:endParaRPr lang="fr-CA"/>
           </a:p>
@@ -4687,7 +4686,7 @@
           <a:p>
             <a:fld id="{26A48E00-28BD-426C-9AE4-ECDDF4979DA8}" type="datetimeFigureOut">
               <a:rPr lang="fr-CA" smtClean="0"/>
-              <a:t>2025-05-15</a:t>
+              <a:t>2025-05-16</a:t>
             </a:fld>
             <a:endParaRPr lang="fr-CA"/>
           </a:p>
@@ -4950,7 +4949,7 @@
           <a:p>
             <a:fld id="{26A48E00-28BD-426C-9AE4-ECDDF4979DA8}" type="datetimeFigureOut">
               <a:rPr lang="fr-CA" smtClean="0"/>
-              <a:t>2025-05-15</a:t>
+              <a:t>2025-05-16</a:t>
             </a:fld>
             <a:endParaRPr lang="fr-CA"/>
           </a:p>
@@ -5693,7 +5692,7 @@
           <a:p>
             <a:fld id="{26A48E00-28BD-426C-9AE4-ECDDF4979DA8}" type="datetimeFigureOut">
               <a:rPr lang="fr-CA" smtClean="0"/>
-              <a:t>2025-05-15</a:t>
+              <a:t>2025-05-16</a:t>
             </a:fld>
             <a:endParaRPr lang="fr-CA"/>
           </a:p>
@@ -6233,14 +6232,19 @@
             <p:ph type="ctrTitle"/>
           </p:nvPr>
         </p:nvSpPr>
-        <p:spPr/>
+        <p:spPr>
+          <a:xfrm>
+            <a:off x="1667488" y="1570344"/>
+            <a:ext cx="7766936" cy="1646302"/>
+          </a:xfrm>
+        </p:spPr>
         <p:txBody>
           <a:bodyPr/>
           <a:lstStyle/>
           <a:p>
             <a:r>
               <a:rPr lang="en-US" dirty="0"/>
-              <a:t>E-Commerce Platform</a:t>
+              <a:t>E-Commerce Project</a:t>
             </a:r>
             <a:endParaRPr lang="fr-CA" dirty="0"/>
           </a:p>
@@ -6763,28 +6767,76 @@
           </a:p>
         </p:txBody>
       </p:sp>
-      <p:sp>
-        <p:nvSpPr>
-          <p:cNvPr id="3" name="Espace réservé du contenu 2">
+      <p:pic>
+        <p:nvPicPr>
+          <p:cNvPr id="5" name="Espace réservé du contenu 4">
             <a:extLst>
               <a:ext uri="{FF2B5EF4-FFF2-40B4-BE49-F238E27FC236}">
-                <a16:creationId xmlns:a16="http://schemas.microsoft.com/office/drawing/2014/main" id="{70787CCC-2B29-6955-34A8-30BC0F467716}"/>
+                <a16:creationId xmlns:a16="http://schemas.microsoft.com/office/drawing/2014/main" id="{ADF45E27-4D46-A456-1A26-37BDB274202F}"/>
               </a:ext>
             </a:extLst>
           </p:cNvPr>
-          <p:cNvSpPr>
-            <a:spLocks noGrp="1"/>
-          </p:cNvSpPr>
+          <p:cNvPicPr>
+            <a:picLocks noGrp="1" noChangeAspect="1"/>
+          </p:cNvPicPr>
           <p:nvPr>
             <p:ph idx="1"/>
           </p:nvPr>
-        </p:nvSpPr>
-        <p:spPr/>
-        <p:txBody>
-          <a:bodyPr/>
-          <a:lstStyle/>
-          <a:p>
-            <a:endParaRPr lang="fr-CA"/>
+        </p:nvPicPr>
+        <p:blipFill>
+          <a:blip r:embed="rId2"/>
+          <a:stretch>
+            <a:fillRect/>
+          </a:stretch>
+        </p:blipFill>
+        <p:spPr>
+          <a:xfrm>
+            <a:off x="254055" y="1930400"/>
+            <a:ext cx="8192643" cy="3238952"/>
+          </a:xfrm>
+        </p:spPr>
+      </p:pic>
+      <p:sp>
+        <p:nvSpPr>
+          <p:cNvPr id="6" name="ZoneTexte 5">
+            <a:extLst>
+              <a:ext uri="{FF2B5EF4-FFF2-40B4-BE49-F238E27FC236}">
+                <a16:creationId xmlns:a16="http://schemas.microsoft.com/office/drawing/2014/main" id="{47E82BC2-AE2F-EF19-2F83-480DDC85AFEE}"/>
+              </a:ext>
+            </a:extLst>
+          </p:cNvPr>
+          <p:cNvSpPr txBox="1"/>
+          <p:nvPr/>
+        </p:nvSpPr>
+        <p:spPr>
+          <a:xfrm>
+            <a:off x="1267326" y="5710989"/>
+            <a:ext cx="4828674" cy="646331"/>
+          </a:xfrm>
+          <a:prstGeom prst="rect">
+            <a:avLst/>
+          </a:prstGeom>
+          <a:noFill/>
+        </p:spPr>
+        <p:txBody>
+          <a:bodyPr wrap="square" rtlCol="0">
+            <a:spAutoFit/>
+          </a:bodyPr>
+          <a:lstStyle/>
+          <a:p>
+            <a:r>
+              <a:rPr lang="en-US" dirty="0"/>
+              <a:t>I make sure to use </a:t>
+            </a:r>
+            <a:r>
+              <a:rPr lang="en-US" dirty="0" err="1"/>
+              <a:t>htmlspecialchars</a:t>
+            </a:r>
+            <a:r>
+              <a:rPr lang="en-US" dirty="0"/>
+              <a:t>() whenever I get a input from the user</a:t>
+            </a:r>
+            <a:endParaRPr lang="fr-CA" dirty="0"/>
           </a:p>
         </p:txBody>
       </p:sp>
@@ -7156,9 +7208,10 @@
               <a:t>Logging</a:t>
             </a:r>
             <a:r>
-              <a:rPr lang="fr-CA" dirty="0"/>
-              <a:t> ****</a:t>
-            </a:r>
+              <a:rPr lang="fr-CA"/>
+              <a:t> </a:t>
+            </a:r>
+            <a:endParaRPr lang="fr-CA" dirty="0"/>
           </a:p>
         </p:txBody>
       </p:sp>
@@ -7898,7 +7951,7 @@
           <p:cNvPr id="2" name="Titre 1">
             <a:extLst>
               <a:ext uri="{FF2B5EF4-FFF2-40B4-BE49-F238E27FC236}">
-                <a16:creationId xmlns:a16="http://schemas.microsoft.com/office/drawing/2014/main" id="{5122AEF0-A148-4F9D-2636-988FC3CD5DE4}"/>
+                <a16:creationId xmlns:a16="http://schemas.microsoft.com/office/drawing/2014/main" id="{B7AB7EEE-8C64-04B0-3D0A-8DC09EED671F}"/>
               </a:ext>
             </a:extLst>
           </p:cNvPr>
@@ -7915,8 +7968,20 @@
           <a:lstStyle/>
           <a:p>
             <a:r>
-              <a:rPr lang="en-US" dirty="0"/>
-              <a:t>Code annotations and Unit tests using the Gherkin language </a:t>
+              <a:rPr lang="fr-CA" dirty="0"/>
+              <a:t>Team </a:t>
+            </a:r>
+            <a:r>
+              <a:rPr lang="fr-CA" dirty="0" err="1"/>
+              <a:t>Members</a:t>
+            </a:r>
+            <a:r>
+              <a:rPr lang="fr-CA" dirty="0"/>
+              <a:t> </a:t>
+            </a:r>
+            <a:r>
+              <a:rPr lang="fr-CA" dirty="0" err="1"/>
+              <a:t>Responsibilities</a:t>
             </a:r>
             <a:endParaRPr lang="fr-CA" dirty="0"/>
           </a:p>
@@ -7927,7 +7992,7 @@
           <p:cNvPr id="3" name="Espace réservé du contenu 2">
             <a:extLst>
               <a:ext uri="{FF2B5EF4-FFF2-40B4-BE49-F238E27FC236}">
-                <a16:creationId xmlns:a16="http://schemas.microsoft.com/office/drawing/2014/main" id="{80BA4DC7-EAFD-7159-4557-A1722E5E8AC5}"/>
+                <a16:creationId xmlns:a16="http://schemas.microsoft.com/office/drawing/2014/main" id="{0866BE37-BB61-286A-D5B4-A8B1723738C3}"/>
               </a:ext>
             </a:extLst>
           </p:cNvPr>
@@ -7943,6 +8008,51 @@
           <a:bodyPr/>
           <a:lstStyle/>
           <a:p>
+            <a:r>
+              <a:rPr lang="en-US" dirty="0"/>
+              <a:t>Enrique Garcia did every mistake</a:t>
+            </a:r>
+          </a:p>
+          <a:p>
+            <a:r>
+              <a:rPr lang="en-US" dirty="0"/>
+              <a:t>Honorable mentions</a:t>
+            </a:r>
+          </a:p>
+          <a:p>
+            <a:pPr>
+              <a:buFont typeface="+mj-lt"/>
+              <a:buAutoNum type="arabicPeriod"/>
+            </a:pPr>
+            <a:r>
+              <a:rPr lang="en-US" dirty="0"/>
+              <a:t>w3Schools</a:t>
+            </a:r>
+          </a:p>
+          <a:p>
+            <a:pPr>
+              <a:buFont typeface="+mj-lt"/>
+              <a:buAutoNum type="arabicPeriod"/>
+            </a:pPr>
+            <a:r>
+              <a:rPr lang="en-US" dirty="0" err="1"/>
+              <a:t>StackOverflow</a:t>
+            </a:r>
+            <a:endParaRPr lang="en-US" dirty="0"/>
+          </a:p>
+          <a:p>
+            <a:pPr>
+              <a:buFont typeface="+mj-lt"/>
+              <a:buAutoNum type="arabicPeriod"/>
+            </a:pPr>
+            <a:r>
+              <a:rPr lang="en-US" dirty="0" err="1"/>
+              <a:t>Php</a:t>
+            </a:r>
+            <a:r>
+              <a:rPr lang="en-US" dirty="0"/>
+              <a:t> wiki</a:t>
+            </a:r>
             <a:endParaRPr lang="fr-CA" dirty="0"/>
           </a:p>
         </p:txBody>
@@ -7950,7 +8060,7 @@
     </p:spTree>
     <p:extLst>
       <p:ext uri="{BB962C8B-B14F-4D97-AF65-F5344CB8AC3E}">
-        <p14:creationId xmlns:p14="http://schemas.microsoft.com/office/powerpoint/2010/main" val="855501992"/>
+        <p14:creationId xmlns:p14="http://schemas.microsoft.com/office/powerpoint/2010/main" val="931174857"/>
       </p:ext>
     </p:extLst>
   </p:cSld>
@@ -7982,7 +8092,7 @@
           <p:cNvPr id="2" name="Titre 1">
             <a:extLst>
               <a:ext uri="{FF2B5EF4-FFF2-40B4-BE49-F238E27FC236}">
-                <a16:creationId xmlns:a16="http://schemas.microsoft.com/office/drawing/2014/main" id="{B7AB7EEE-8C64-04B0-3D0A-8DC09EED671F}"/>
+                <a16:creationId xmlns:a16="http://schemas.microsoft.com/office/drawing/2014/main" id="{3C8E6743-BA04-5AB3-1A39-D2B108400C9D}"/>
               </a:ext>
             </a:extLst>
           </p:cNvPr>
@@ -7999,20 +8109,8 @@
           <a:lstStyle/>
           <a:p>
             <a:r>
-              <a:rPr lang="fr-CA" dirty="0"/>
-              <a:t>Team </a:t>
-            </a:r>
-            <a:r>
-              <a:rPr lang="fr-CA" dirty="0" err="1"/>
-              <a:t>Members</a:t>
-            </a:r>
-            <a:r>
-              <a:rPr lang="fr-CA" dirty="0"/>
-              <a:t> </a:t>
-            </a:r>
-            <a:r>
-              <a:rPr lang="fr-CA" dirty="0" err="1"/>
-              <a:t>Responsibilities</a:t>
+              <a:rPr lang="en-US" dirty="0"/>
+              <a:t>Challenges</a:t>
             </a:r>
             <a:endParaRPr lang="fr-CA" dirty="0"/>
           </a:p>
@@ -8023,7 +8121,7 @@
           <p:cNvPr id="3" name="Espace réservé du contenu 2">
             <a:extLst>
               <a:ext uri="{FF2B5EF4-FFF2-40B4-BE49-F238E27FC236}">
-                <a16:creationId xmlns:a16="http://schemas.microsoft.com/office/drawing/2014/main" id="{0866BE37-BB61-286A-D5B4-A8B1723738C3}"/>
+                <a16:creationId xmlns:a16="http://schemas.microsoft.com/office/drawing/2014/main" id="{B3F4E99F-E8E1-B73C-9DC2-A747DFDB1119}"/>
               </a:ext>
             </a:extLst>
           </p:cNvPr>
@@ -8041,48 +8139,33 @@
           <a:p>
             <a:r>
               <a:rPr lang="en-US" dirty="0"/>
-              <a:t>Enrique Garcia did every mistake</a:t>
+              <a:t>Struggled with time management, which led to rushing parts of the project near the deadline.</a:t>
             </a:r>
           </a:p>
           <a:p>
             <a:r>
               <a:rPr lang="en-US" dirty="0"/>
-              <a:t>Honorable mentions</a:t>
-            </a:r>
-          </a:p>
-          <a:p>
-            <a:pPr>
-              <a:buFont typeface="+mj-lt"/>
-              <a:buAutoNum type="arabicPeriod"/>
-            </a:pPr>
+              <a:t>Faced issues with URL rewriting using .</a:t>
+            </a:r>
+            <a:r>
+              <a:rPr lang="en-US" dirty="0" err="1"/>
+              <a:t>htaccess</a:t>
+            </a:r>
             <a:r>
               <a:rPr lang="en-US" dirty="0"/>
-              <a:t>w3Schools</a:t>
-            </a:r>
-          </a:p>
-          <a:p>
-            <a:pPr>
-              <a:buFont typeface="+mj-lt"/>
-              <a:buAutoNum type="arabicPeriod"/>
-            </a:pPr>
-            <a:r>
-              <a:rPr lang="en-US" dirty="0" err="1"/>
-              <a:t>StackOverflow</a:t>
-            </a:r>
-            <a:endParaRPr lang="en-US" dirty="0"/>
-          </a:p>
-          <a:p>
-            <a:pPr>
-              <a:buFont typeface="+mj-lt"/>
-              <a:buAutoNum type="arabicPeriod"/>
-            </a:pPr>
-            <a:r>
-              <a:rPr lang="en-US" dirty="0" err="1"/>
-              <a:t>Php</a:t>
-            </a:r>
+              <a:t>, especially getting query strings to display cleanly and trigger correctly.</a:t>
+            </a:r>
+          </a:p>
+          <a:p>
             <a:r>
               <a:rPr lang="en-US" dirty="0"/>
-              <a:t> wiki</a:t>
+              <a:t>Had trouble organizing file paths and relative/absolute directory references, which broke some includes early on.</a:t>
+            </a:r>
+          </a:p>
+          <a:p>
+            <a:r>
+              <a:rPr lang="en-US" dirty="0"/>
+              <a:t>Integration of Monolog logging was initially confusing, especially deciding where to log events (model vs. controller).</a:t>
             </a:r>
             <a:endParaRPr lang="fr-CA" dirty="0"/>
           </a:p>
@@ -8091,7 +8174,7 @@
     </p:spTree>
     <p:extLst>
       <p:ext uri="{BB962C8B-B14F-4D97-AF65-F5344CB8AC3E}">
-        <p14:creationId xmlns:p14="http://schemas.microsoft.com/office/powerpoint/2010/main" val="931174857"/>
+        <p14:creationId xmlns:p14="http://schemas.microsoft.com/office/powerpoint/2010/main" val="862183157"/>
       </p:ext>
     </p:extLst>
   </p:cSld>
@@ -8123,120 +8206,6 @@
           <p:cNvPr id="2" name="Titre 1">
             <a:extLst>
               <a:ext uri="{FF2B5EF4-FFF2-40B4-BE49-F238E27FC236}">
-                <a16:creationId xmlns:a16="http://schemas.microsoft.com/office/drawing/2014/main" id="{3C8E6743-BA04-5AB3-1A39-D2B108400C9D}"/>
-              </a:ext>
-            </a:extLst>
-          </p:cNvPr>
-          <p:cNvSpPr>
-            <a:spLocks noGrp="1"/>
-          </p:cNvSpPr>
-          <p:nvPr>
-            <p:ph type="title"/>
-          </p:nvPr>
-        </p:nvSpPr>
-        <p:spPr/>
-        <p:txBody>
-          <a:bodyPr/>
-          <a:lstStyle/>
-          <a:p>
-            <a:r>
-              <a:rPr lang="en-US" dirty="0"/>
-              <a:t>Challenges</a:t>
-            </a:r>
-            <a:endParaRPr lang="fr-CA" dirty="0"/>
-          </a:p>
-        </p:txBody>
-      </p:sp>
-      <p:sp>
-        <p:nvSpPr>
-          <p:cNvPr id="3" name="Espace réservé du contenu 2">
-            <a:extLst>
-              <a:ext uri="{FF2B5EF4-FFF2-40B4-BE49-F238E27FC236}">
-                <a16:creationId xmlns:a16="http://schemas.microsoft.com/office/drawing/2014/main" id="{B3F4E99F-E8E1-B73C-9DC2-A747DFDB1119}"/>
-              </a:ext>
-            </a:extLst>
-          </p:cNvPr>
-          <p:cNvSpPr>
-            <a:spLocks noGrp="1"/>
-          </p:cNvSpPr>
-          <p:nvPr>
-            <p:ph idx="1"/>
-          </p:nvPr>
-        </p:nvSpPr>
-        <p:spPr/>
-        <p:txBody>
-          <a:bodyPr/>
-          <a:lstStyle/>
-          <a:p>
-            <a:r>
-              <a:rPr lang="en-US" dirty="0"/>
-              <a:t>Struggled with time management, which led to rushing parts of the project near the deadline.</a:t>
-            </a:r>
-          </a:p>
-          <a:p>
-            <a:r>
-              <a:rPr lang="en-US" dirty="0"/>
-              <a:t>Faced issues with URL rewriting using .</a:t>
-            </a:r>
-            <a:r>
-              <a:rPr lang="en-US" dirty="0" err="1"/>
-              <a:t>htaccess</a:t>
-            </a:r>
-            <a:r>
-              <a:rPr lang="en-US" dirty="0"/>
-              <a:t>, especially getting query strings to display cleanly and trigger correctly.</a:t>
-            </a:r>
-          </a:p>
-          <a:p>
-            <a:r>
-              <a:rPr lang="en-US" dirty="0"/>
-              <a:t>Had trouble organizing file paths and relative/absolute directory references, which broke some includes early on.</a:t>
-            </a:r>
-          </a:p>
-          <a:p>
-            <a:r>
-              <a:rPr lang="en-US" dirty="0"/>
-              <a:t>Integration of Monolog logging was initially confusing, especially deciding where to log events (model vs. controller).</a:t>
-            </a:r>
-            <a:endParaRPr lang="fr-CA" dirty="0"/>
-          </a:p>
-        </p:txBody>
-      </p:sp>
-    </p:spTree>
-    <p:extLst>
-      <p:ext uri="{BB962C8B-B14F-4D97-AF65-F5344CB8AC3E}">
-        <p14:creationId xmlns:p14="http://schemas.microsoft.com/office/powerpoint/2010/main" val="862183157"/>
-      </p:ext>
-    </p:extLst>
-  </p:cSld>
-  <p:clrMapOvr>
-    <a:masterClrMapping/>
-  </p:clrMapOvr>
-</p:sld>
-</file>
-
-<file path=ppt/slides/slide24.xml><?xml version="1.0" encoding="utf-8"?>
-<p:sld xmlns:a="http://schemas.openxmlformats.org/drawingml/2006/main" xmlns:r="http://schemas.openxmlformats.org/officeDocument/2006/relationships" xmlns:p="http://schemas.openxmlformats.org/presentationml/2006/main">
-  <p:cSld>
-    <p:spTree>
-      <p:nvGrpSpPr>
-        <p:cNvPr id="1" name=""/>
-        <p:cNvGrpSpPr/>
-        <p:nvPr/>
-      </p:nvGrpSpPr>
-      <p:grpSpPr>
-        <a:xfrm>
-          <a:off x="0" y="0"/>
-          <a:ext cx="0" cy="0"/>
-          <a:chOff x="0" y="0"/>
-          <a:chExt cx="0" cy="0"/>
-        </a:xfrm>
-      </p:grpSpPr>
-      <p:sp>
-        <p:nvSpPr>
-          <p:cNvPr id="2" name="Titre 1">
-            <a:extLst>
-              <a:ext uri="{FF2B5EF4-FFF2-40B4-BE49-F238E27FC236}">
                 <a16:creationId xmlns:a16="http://schemas.microsoft.com/office/drawing/2014/main" id="{A16C0BE0-6747-EF24-ED76-0D708DAF6ECF}"/>
               </a:ext>
             </a:extLst>
@@ -8346,7 +8315,7 @@
 </p:sld>
 </file>
 
-<file path=ppt/slides/slide25.xml><?xml version="1.0" encoding="utf-8"?>
+<file path=ppt/slides/slide24.xml><?xml version="1.0" encoding="utf-8"?>
 <p:sld xmlns:a="http://schemas.openxmlformats.org/drawingml/2006/main" xmlns:r="http://schemas.openxmlformats.org/officeDocument/2006/relationships" xmlns:p="http://schemas.openxmlformats.org/presentationml/2006/main">
   <p:cSld>
     <p:spTree>

--- a/deliv3.pptx
+++ b/deliv3.pptx
@@ -5,7 +5,7 @@
     <p:sldMasterId id="2147483660" r:id="rId1"/>
   </p:sldMasterIdLst>
   <p:notesMasterIdLst>
-    <p:notesMasterId r:id="rId26"/>
+    <p:notesMasterId r:id="rId27"/>
   </p:notesMasterIdLst>
   <p:sldIdLst>
     <p:sldId id="256" r:id="rId2"/>
@@ -28,10 +28,11 @@
     <p:sldId id="273" r:id="rId19"/>
     <p:sldId id="274" r:id="rId20"/>
     <p:sldId id="275" r:id="rId21"/>
-    <p:sldId id="277" r:id="rId22"/>
-    <p:sldId id="278" r:id="rId23"/>
-    <p:sldId id="279" r:id="rId24"/>
-    <p:sldId id="280" r:id="rId25"/>
+    <p:sldId id="281" r:id="rId22"/>
+    <p:sldId id="277" r:id="rId23"/>
+    <p:sldId id="278" r:id="rId24"/>
+    <p:sldId id="279" r:id="rId25"/>
+    <p:sldId id="280" r:id="rId26"/>
   </p:sldIdLst>
   <p:sldSz cx="12192000" cy="6858000"/>
   <p:notesSz cx="6858000" cy="9144000"/>
@@ -390,7 +391,7 @@
           <a:p>
             <a:fld id="{E109EB9D-DE13-424D-9642-7079DF806451}" type="slidenum">
               <a:rPr lang="fr-CA" smtClean="0"/>
-              <a:t>‹N°›</a:t>
+              <a:t>‹#›</a:t>
             </a:fld>
             <a:endParaRPr lang="fr-CA"/>
           </a:p>
@@ -1263,7 +1264,7 @@
           <a:p>
             <a:fld id="{0CCF9140-C9AB-4992-A279-F6A9F6A9A00A}" type="slidenum">
               <a:rPr lang="fr-CA" smtClean="0"/>
-              <a:t>‹N°›</a:t>
+              <a:t>‹#›</a:t>
             </a:fld>
             <a:endParaRPr lang="fr-CA"/>
           </a:p>
@@ -1514,7 +1515,7 @@
           <a:p>
             <a:fld id="{0CCF9140-C9AB-4992-A279-F6A9F6A9A00A}" type="slidenum">
               <a:rPr lang="fr-CA" smtClean="0"/>
-              <a:t>‹N°›</a:t>
+              <a:t>‹#›</a:t>
             </a:fld>
             <a:endParaRPr lang="fr-CA"/>
           </a:p>
@@ -1828,7 +1829,7 @@
           <a:p>
             <a:fld id="{0CCF9140-C9AB-4992-A279-F6A9F6A9A00A}" type="slidenum">
               <a:rPr lang="fr-CA" smtClean="0"/>
-              <a:t>‹N°›</a:t>
+              <a:t>‹#›</a:t>
             </a:fld>
             <a:endParaRPr lang="fr-CA"/>
           </a:p>
@@ -2169,7 +2170,7 @@
           <a:p>
             <a:fld id="{0CCF9140-C9AB-4992-A279-F6A9F6A9A00A}" type="slidenum">
               <a:rPr lang="fr-CA" smtClean="0"/>
-              <a:t>‹N°›</a:t>
+              <a:t>‹#›</a:t>
             </a:fld>
             <a:endParaRPr lang="fr-CA"/>
           </a:p>
@@ -2483,7 +2484,7 @@
           <a:p>
             <a:fld id="{0CCF9140-C9AB-4992-A279-F6A9F6A9A00A}" type="slidenum">
               <a:rPr lang="fr-CA" smtClean="0"/>
-              <a:t>‹N°›</a:t>
+              <a:t>‹#›</a:t>
             </a:fld>
             <a:endParaRPr lang="fr-CA"/>
           </a:p>
@@ -2876,7 +2877,7 @@
           <a:p>
             <a:fld id="{0CCF9140-C9AB-4992-A279-F6A9F6A9A00A}" type="slidenum">
               <a:rPr lang="fr-CA" smtClean="0"/>
-              <a:t>‹N°›</a:t>
+              <a:t>‹#›</a:t>
             </a:fld>
             <a:endParaRPr lang="fr-CA"/>
           </a:p>
@@ -3046,7 +3047,7 @@
           <a:p>
             <a:fld id="{0CCF9140-C9AB-4992-A279-F6A9F6A9A00A}" type="slidenum">
               <a:rPr lang="fr-CA" smtClean="0"/>
-              <a:t>‹N°›</a:t>
+              <a:t>‹#›</a:t>
             </a:fld>
             <a:endParaRPr lang="fr-CA"/>
           </a:p>
@@ -3226,7 +3227,7 @@
           <a:p>
             <a:fld id="{0CCF9140-C9AB-4992-A279-F6A9F6A9A00A}" type="slidenum">
               <a:rPr lang="fr-CA" smtClean="0"/>
-              <a:t>‹N°›</a:t>
+              <a:t>‹#›</a:t>
             </a:fld>
             <a:endParaRPr lang="fr-CA"/>
           </a:p>
@@ -3402,7 +3403,7 @@
           <a:p>
             <a:fld id="{0CCF9140-C9AB-4992-A279-F6A9F6A9A00A}" type="slidenum">
               <a:rPr lang="fr-CA" smtClean="0"/>
-              <a:t>‹N°›</a:t>
+              <a:t>‹#›</a:t>
             </a:fld>
             <a:endParaRPr lang="fr-CA"/>
           </a:p>
@@ -3649,7 +3650,7 @@
           <a:p>
             <a:fld id="{0CCF9140-C9AB-4992-A279-F6A9F6A9A00A}" type="slidenum">
               <a:rPr lang="fr-CA" smtClean="0"/>
-              <a:t>‹N°›</a:t>
+              <a:t>‹#›</a:t>
             </a:fld>
             <a:endParaRPr lang="fr-CA"/>
           </a:p>
@@ -3881,7 +3882,7 @@
           <a:p>
             <a:fld id="{0CCF9140-C9AB-4992-A279-F6A9F6A9A00A}" type="slidenum">
               <a:rPr lang="fr-CA" smtClean="0"/>
-              <a:t>‹N°›</a:t>
+              <a:t>‹#›</a:t>
             </a:fld>
             <a:endParaRPr lang="fr-CA"/>
           </a:p>
@@ -4255,7 +4256,7 @@
           <a:p>
             <a:fld id="{0CCF9140-C9AB-4992-A279-F6A9F6A9A00A}" type="slidenum">
               <a:rPr lang="fr-CA" smtClean="0"/>
-              <a:t>‹N°›</a:t>
+              <a:t>‹#›</a:t>
             </a:fld>
             <a:endParaRPr lang="fr-CA"/>
           </a:p>
@@ -4378,7 +4379,7 @@
           <a:p>
             <a:fld id="{0CCF9140-C9AB-4992-A279-F6A9F6A9A00A}" type="slidenum">
               <a:rPr lang="fr-CA" smtClean="0"/>
-              <a:t>‹N°›</a:t>
+              <a:t>‹#›</a:t>
             </a:fld>
             <a:endParaRPr lang="fr-CA"/>
           </a:p>
@@ -4473,7 +4474,7 @@
           <a:p>
             <a:fld id="{0CCF9140-C9AB-4992-A279-F6A9F6A9A00A}" type="slidenum">
               <a:rPr lang="fr-CA" smtClean="0"/>
-              <a:t>‹N°›</a:t>
+              <a:t>‹#›</a:t>
             </a:fld>
             <a:endParaRPr lang="fr-CA"/>
           </a:p>
@@ -4728,7 +4729,7 @@
           <a:p>
             <a:fld id="{0CCF9140-C9AB-4992-A279-F6A9F6A9A00A}" type="slidenum">
               <a:rPr lang="fr-CA" smtClean="0"/>
-              <a:t>‹N°›</a:t>
+              <a:t>‹#›</a:t>
             </a:fld>
             <a:endParaRPr lang="fr-CA"/>
           </a:p>
@@ -4991,7 +4992,7 @@
           <a:p>
             <a:fld id="{0CCF9140-C9AB-4992-A279-F6A9F6A9A00A}" type="slidenum">
               <a:rPr lang="fr-CA" smtClean="0"/>
-              <a:t>‹N°›</a:t>
+              <a:t>‹#›</a:t>
             </a:fld>
             <a:endParaRPr lang="fr-CA"/>
           </a:p>
@@ -5768,7 +5769,7 @@
           <a:p>
             <a:fld id="{0CCF9140-C9AB-4992-A279-F6A9F6A9A00A}" type="slidenum">
               <a:rPr lang="fr-CA" smtClean="0"/>
-              <a:t>‹N°›</a:t>
+              <a:t>‹#›</a:t>
             </a:fld>
             <a:endParaRPr lang="fr-CA"/>
           </a:p>
@@ -7948,10 +7949,10 @@
       </p:grpSpPr>
       <p:sp>
         <p:nvSpPr>
-          <p:cNvPr id="2" name="Titre 1">
+          <p:cNvPr id="2" name="Title 1">
             <a:extLst>
               <a:ext uri="{FF2B5EF4-FFF2-40B4-BE49-F238E27FC236}">
-                <a16:creationId xmlns:a16="http://schemas.microsoft.com/office/drawing/2014/main" id="{B7AB7EEE-8C64-04B0-3D0A-8DC09EED671F}"/>
+                <a16:creationId xmlns:a16="http://schemas.microsoft.com/office/drawing/2014/main" id="{2D9DB622-0DA7-409D-8800-83806122EF96}"/>
               </a:ext>
             </a:extLst>
           </p:cNvPr>
@@ -7968,31 +7969,18 @@
           <a:lstStyle/>
           <a:p>
             <a:r>
-              <a:rPr lang="fr-CA" dirty="0"/>
-              <a:t>Team </a:t>
-            </a:r>
-            <a:r>
-              <a:rPr lang="fr-CA" dirty="0" err="1"/>
-              <a:t>Members</a:t>
-            </a:r>
-            <a:r>
-              <a:rPr lang="fr-CA" dirty="0"/>
-              <a:t> </a:t>
-            </a:r>
-            <a:r>
-              <a:rPr lang="fr-CA" dirty="0" err="1"/>
-              <a:t>Responsibilities</a:t>
-            </a:r>
-            <a:endParaRPr lang="fr-CA" dirty="0"/>
-          </a:p>
-        </p:txBody>
-      </p:sp>
-      <p:sp>
-        <p:nvSpPr>
-          <p:cNvPr id="3" name="Espace réservé du contenu 2">
+              <a:rPr lang="en-US" dirty="0"/>
+              <a:t>Gherkin</a:t>
+            </a:r>
+          </a:p>
+        </p:txBody>
+      </p:sp>
+      <p:sp>
+        <p:nvSpPr>
+          <p:cNvPr id="3" name="Content Placeholder 2">
             <a:extLst>
               <a:ext uri="{FF2B5EF4-FFF2-40B4-BE49-F238E27FC236}">
-                <a16:creationId xmlns:a16="http://schemas.microsoft.com/office/drawing/2014/main" id="{0866BE37-BB61-286A-D5B4-A8B1723738C3}"/>
+                <a16:creationId xmlns:a16="http://schemas.microsoft.com/office/drawing/2014/main" id="{9075CA11-E129-4990-8845-F62784DD70FC}"/>
               </a:ext>
             </a:extLst>
           </p:cNvPr>
@@ -8008,59 +7996,14 @@
           <a:bodyPr/>
           <a:lstStyle/>
           <a:p>
-            <a:r>
-              <a:rPr lang="en-US" dirty="0"/>
-              <a:t>Enrique Garcia did every mistake</a:t>
-            </a:r>
-          </a:p>
-          <a:p>
-            <a:r>
-              <a:rPr lang="en-US" dirty="0"/>
-              <a:t>Honorable mentions</a:t>
-            </a:r>
-          </a:p>
-          <a:p>
-            <a:pPr>
-              <a:buFont typeface="+mj-lt"/>
-              <a:buAutoNum type="arabicPeriod"/>
-            </a:pPr>
-            <a:r>
-              <a:rPr lang="en-US" dirty="0"/>
-              <a:t>w3Schools</a:t>
-            </a:r>
-          </a:p>
-          <a:p>
-            <a:pPr>
-              <a:buFont typeface="+mj-lt"/>
-              <a:buAutoNum type="arabicPeriod"/>
-            </a:pPr>
-            <a:r>
-              <a:rPr lang="en-US" dirty="0" err="1"/>
-              <a:t>StackOverflow</a:t>
-            </a:r>
-            <a:endParaRPr lang="en-US" dirty="0"/>
-          </a:p>
-          <a:p>
-            <a:pPr>
-              <a:buFont typeface="+mj-lt"/>
-              <a:buAutoNum type="arabicPeriod"/>
-            </a:pPr>
-            <a:r>
-              <a:rPr lang="en-US" dirty="0" err="1"/>
-              <a:t>Php</a:t>
-            </a:r>
-            <a:r>
-              <a:rPr lang="en-US" dirty="0"/>
-              <a:t> wiki</a:t>
-            </a:r>
-            <a:endParaRPr lang="fr-CA" dirty="0"/>
+            <a:endParaRPr lang="en-US"/>
           </a:p>
         </p:txBody>
       </p:sp>
     </p:spTree>
     <p:extLst>
       <p:ext uri="{BB962C8B-B14F-4D97-AF65-F5344CB8AC3E}">
-        <p14:creationId xmlns:p14="http://schemas.microsoft.com/office/powerpoint/2010/main" val="931174857"/>
+        <p14:creationId xmlns:p14="http://schemas.microsoft.com/office/powerpoint/2010/main" val="3950208767"/>
       </p:ext>
     </p:extLst>
   </p:cSld>
@@ -8092,7 +8035,7 @@
           <p:cNvPr id="2" name="Titre 1">
             <a:extLst>
               <a:ext uri="{FF2B5EF4-FFF2-40B4-BE49-F238E27FC236}">
-                <a16:creationId xmlns:a16="http://schemas.microsoft.com/office/drawing/2014/main" id="{3C8E6743-BA04-5AB3-1A39-D2B108400C9D}"/>
+                <a16:creationId xmlns:a16="http://schemas.microsoft.com/office/drawing/2014/main" id="{B7AB7EEE-8C64-04B0-3D0A-8DC09EED671F}"/>
               </a:ext>
             </a:extLst>
           </p:cNvPr>
@@ -8109,8 +8052,20 @@
           <a:lstStyle/>
           <a:p>
             <a:r>
-              <a:rPr lang="en-US" dirty="0"/>
-              <a:t>Challenges</a:t>
+              <a:rPr lang="fr-CA" dirty="0"/>
+              <a:t>Team </a:t>
+            </a:r>
+            <a:r>
+              <a:rPr lang="fr-CA" dirty="0" err="1"/>
+              <a:t>Members</a:t>
+            </a:r>
+            <a:r>
+              <a:rPr lang="fr-CA" dirty="0"/>
+              <a:t> </a:t>
+            </a:r>
+            <a:r>
+              <a:rPr lang="fr-CA" dirty="0" err="1"/>
+              <a:t>Responsibilities</a:t>
             </a:r>
             <a:endParaRPr lang="fr-CA" dirty="0"/>
           </a:p>
@@ -8121,7 +8076,7 @@
           <p:cNvPr id="3" name="Espace réservé du contenu 2">
             <a:extLst>
               <a:ext uri="{FF2B5EF4-FFF2-40B4-BE49-F238E27FC236}">
-                <a16:creationId xmlns:a16="http://schemas.microsoft.com/office/drawing/2014/main" id="{B3F4E99F-E8E1-B73C-9DC2-A747DFDB1119}"/>
+                <a16:creationId xmlns:a16="http://schemas.microsoft.com/office/drawing/2014/main" id="{0866BE37-BB61-286A-D5B4-A8B1723738C3}"/>
               </a:ext>
             </a:extLst>
           </p:cNvPr>
@@ -8139,33 +8094,48 @@
           <a:p>
             <a:r>
               <a:rPr lang="en-US" dirty="0"/>
-              <a:t>Struggled with time management, which led to rushing parts of the project near the deadline.</a:t>
+              <a:t>Enrique Garcia did every mistake</a:t>
             </a:r>
           </a:p>
           <a:p>
             <a:r>
               <a:rPr lang="en-US" dirty="0"/>
-              <a:t>Faced issues with URL rewriting using .</a:t>
-            </a:r>
+              <a:t>Honorable mentions</a:t>
+            </a:r>
+          </a:p>
+          <a:p>
+            <a:pPr>
+              <a:buFont typeface="+mj-lt"/>
+              <a:buAutoNum type="arabicPeriod"/>
+            </a:pPr>
+            <a:r>
+              <a:rPr lang="en-US" dirty="0"/>
+              <a:t>w3Schools</a:t>
+            </a:r>
+          </a:p>
+          <a:p>
+            <a:pPr>
+              <a:buFont typeface="+mj-lt"/>
+              <a:buAutoNum type="arabicPeriod"/>
+            </a:pPr>
             <a:r>
               <a:rPr lang="en-US" dirty="0" err="1"/>
-              <a:t>htaccess</a:t>
+              <a:t>StackOverflow</a:t>
+            </a:r>
+            <a:endParaRPr lang="en-US" dirty="0"/>
+          </a:p>
+          <a:p>
+            <a:pPr>
+              <a:buFont typeface="+mj-lt"/>
+              <a:buAutoNum type="arabicPeriod"/>
+            </a:pPr>
+            <a:r>
+              <a:rPr lang="en-US" dirty="0" err="1"/>
+              <a:t>Php</a:t>
             </a:r>
             <a:r>
               <a:rPr lang="en-US" dirty="0"/>
-              <a:t>, especially getting query strings to display cleanly and trigger correctly.</a:t>
-            </a:r>
-          </a:p>
-          <a:p>
-            <a:r>
-              <a:rPr lang="en-US" dirty="0"/>
-              <a:t>Had trouble organizing file paths and relative/absolute directory references, which broke some includes early on.</a:t>
-            </a:r>
-          </a:p>
-          <a:p>
-            <a:r>
-              <a:rPr lang="en-US" dirty="0"/>
-              <a:t>Integration of Monolog logging was initially confusing, especially deciding where to log events (model vs. controller).</a:t>
+              <a:t> wiki</a:t>
             </a:r>
             <a:endParaRPr lang="fr-CA" dirty="0"/>
           </a:p>
@@ -8174,7 +8144,7 @@
     </p:spTree>
     <p:extLst>
       <p:ext uri="{BB962C8B-B14F-4D97-AF65-F5344CB8AC3E}">
-        <p14:creationId xmlns:p14="http://schemas.microsoft.com/office/powerpoint/2010/main" val="862183157"/>
+        <p14:creationId xmlns:p14="http://schemas.microsoft.com/office/powerpoint/2010/main" val="931174857"/>
       </p:ext>
     </p:extLst>
   </p:cSld>
@@ -8206,6 +8176,120 @@
           <p:cNvPr id="2" name="Titre 1">
             <a:extLst>
               <a:ext uri="{FF2B5EF4-FFF2-40B4-BE49-F238E27FC236}">
+                <a16:creationId xmlns:a16="http://schemas.microsoft.com/office/drawing/2014/main" id="{3C8E6743-BA04-5AB3-1A39-D2B108400C9D}"/>
+              </a:ext>
+            </a:extLst>
+          </p:cNvPr>
+          <p:cNvSpPr>
+            <a:spLocks noGrp="1"/>
+          </p:cNvSpPr>
+          <p:nvPr>
+            <p:ph type="title"/>
+          </p:nvPr>
+        </p:nvSpPr>
+        <p:spPr/>
+        <p:txBody>
+          <a:bodyPr/>
+          <a:lstStyle/>
+          <a:p>
+            <a:r>
+              <a:rPr lang="en-US" dirty="0"/>
+              <a:t>Challenges</a:t>
+            </a:r>
+            <a:endParaRPr lang="fr-CA" dirty="0"/>
+          </a:p>
+        </p:txBody>
+      </p:sp>
+      <p:sp>
+        <p:nvSpPr>
+          <p:cNvPr id="3" name="Espace réservé du contenu 2">
+            <a:extLst>
+              <a:ext uri="{FF2B5EF4-FFF2-40B4-BE49-F238E27FC236}">
+                <a16:creationId xmlns:a16="http://schemas.microsoft.com/office/drawing/2014/main" id="{B3F4E99F-E8E1-B73C-9DC2-A747DFDB1119}"/>
+              </a:ext>
+            </a:extLst>
+          </p:cNvPr>
+          <p:cNvSpPr>
+            <a:spLocks noGrp="1"/>
+          </p:cNvSpPr>
+          <p:nvPr>
+            <p:ph idx="1"/>
+          </p:nvPr>
+        </p:nvSpPr>
+        <p:spPr/>
+        <p:txBody>
+          <a:bodyPr/>
+          <a:lstStyle/>
+          <a:p>
+            <a:r>
+              <a:rPr lang="en-US" dirty="0"/>
+              <a:t>Struggled with time management, which led to rushing parts of the project near the deadline.</a:t>
+            </a:r>
+          </a:p>
+          <a:p>
+            <a:r>
+              <a:rPr lang="en-US" dirty="0"/>
+              <a:t>Faced issues with URL rewriting using .</a:t>
+            </a:r>
+            <a:r>
+              <a:rPr lang="en-US" dirty="0" err="1"/>
+              <a:t>htaccess</a:t>
+            </a:r>
+            <a:r>
+              <a:rPr lang="en-US" dirty="0"/>
+              <a:t>, especially getting query strings to display cleanly and trigger correctly.</a:t>
+            </a:r>
+          </a:p>
+          <a:p>
+            <a:r>
+              <a:rPr lang="en-US" dirty="0"/>
+              <a:t>Had trouble organizing file paths and relative/absolute directory references, which broke some includes early on.</a:t>
+            </a:r>
+          </a:p>
+          <a:p>
+            <a:r>
+              <a:rPr lang="en-US" dirty="0"/>
+              <a:t>Integration of Monolog logging was initially confusing, especially deciding where to log events (model vs. controller).</a:t>
+            </a:r>
+            <a:endParaRPr lang="fr-CA" dirty="0"/>
+          </a:p>
+        </p:txBody>
+      </p:sp>
+    </p:spTree>
+    <p:extLst>
+      <p:ext uri="{BB962C8B-B14F-4D97-AF65-F5344CB8AC3E}">
+        <p14:creationId xmlns:p14="http://schemas.microsoft.com/office/powerpoint/2010/main" val="862183157"/>
+      </p:ext>
+    </p:extLst>
+  </p:cSld>
+  <p:clrMapOvr>
+    <a:masterClrMapping/>
+  </p:clrMapOvr>
+</p:sld>
+</file>
+
+<file path=ppt/slides/slide24.xml><?xml version="1.0" encoding="utf-8"?>
+<p:sld xmlns:a="http://schemas.openxmlformats.org/drawingml/2006/main" xmlns:r="http://schemas.openxmlformats.org/officeDocument/2006/relationships" xmlns:p="http://schemas.openxmlformats.org/presentationml/2006/main">
+  <p:cSld>
+    <p:spTree>
+      <p:nvGrpSpPr>
+        <p:cNvPr id="1" name=""/>
+        <p:cNvGrpSpPr/>
+        <p:nvPr/>
+      </p:nvGrpSpPr>
+      <p:grpSpPr>
+        <a:xfrm>
+          <a:off x="0" y="0"/>
+          <a:ext cx="0" cy="0"/>
+          <a:chOff x="0" y="0"/>
+          <a:chExt cx="0" cy="0"/>
+        </a:xfrm>
+      </p:grpSpPr>
+      <p:sp>
+        <p:nvSpPr>
+          <p:cNvPr id="2" name="Titre 1">
+            <a:extLst>
+              <a:ext uri="{FF2B5EF4-FFF2-40B4-BE49-F238E27FC236}">
                 <a16:creationId xmlns:a16="http://schemas.microsoft.com/office/drawing/2014/main" id="{A16C0BE0-6747-EF24-ED76-0D708DAF6ECF}"/>
               </a:ext>
             </a:extLst>
@@ -8315,7 +8399,7 @@
 </p:sld>
 </file>
 
-<file path=ppt/slides/slide24.xml><?xml version="1.0" encoding="utf-8"?>
+<file path=ppt/slides/slide25.xml><?xml version="1.0" encoding="utf-8"?>
 <p:sld xmlns:a="http://schemas.openxmlformats.org/drawingml/2006/main" xmlns:r="http://schemas.openxmlformats.org/officeDocument/2006/relationships" xmlns:p="http://schemas.openxmlformats.org/presentationml/2006/main">
   <p:cSld>
     <p:spTree>

--- a/deliv3.pptx
+++ b/deliv3.pptx
@@ -5,7 +5,7 @@
     <p:sldMasterId id="2147483660" r:id="rId1"/>
   </p:sldMasterIdLst>
   <p:notesMasterIdLst>
-    <p:notesMasterId r:id="rId27"/>
+    <p:notesMasterId r:id="rId24"/>
   </p:notesMasterIdLst>
   <p:sldIdLst>
     <p:sldId id="256" r:id="rId2"/>
@@ -21,18 +21,15 @@
     <p:sldId id="266" r:id="rId12"/>
     <p:sldId id="267" r:id="rId13"/>
     <p:sldId id="268" r:id="rId14"/>
-    <p:sldId id="269" r:id="rId15"/>
-    <p:sldId id="270" r:id="rId16"/>
-    <p:sldId id="271" r:id="rId17"/>
-    <p:sldId id="272" r:id="rId18"/>
-    <p:sldId id="273" r:id="rId19"/>
-    <p:sldId id="274" r:id="rId20"/>
-    <p:sldId id="275" r:id="rId21"/>
-    <p:sldId id="281" r:id="rId22"/>
-    <p:sldId id="277" r:id="rId23"/>
-    <p:sldId id="278" r:id="rId24"/>
-    <p:sldId id="279" r:id="rId25"/>
-    <p:sldId id="280" r:id="rId26"/>
+    <p:sldId id="270" r:id="rId15"/>
+    <p:sldId id="271" r:id="rId16"/>
+    <p:sldId id="272" r:id="rId17"/>
+    <p:sldId id="273" r:id="rId18"/>
+    <p:sldId id="275" r:id="rId19"/>
+    <p:sldId id="277" r:id="rId20"/>
+    <p:sldId id="278" r:id="rId21"/>
+    <p:sldId id="279" r:id="rId22"/>
+    <p:sldId id="280" r:id="rId23"/>
   </p:sldIdLst>
   <p:sldSz cx="12192000" cy="6858000"/>
   <p:notesSz cx="6858000" cy="9144000"/>
@@ -6876,101 +6873,6 @@
           <p:cNvPr id="2" name="Titre 1">
             <a:extLst>
               <a:ext uri="{FF2B5EF4-FFF2-40B4-BE49-F238E27FC236}">
-                <a16:creationId xmlns:a16="http://schemas.microsoft.com/office/drawing/2014/main" id="{9E5E33ED-D5DE-C6FD-AB2B-1B20CA10395F}"/>
-              </a:ext>
-            </a:extLst>
-          </p:cNvPr>
-          <p:cNvSpPr>
-            <a:spLocks noGrp="1"/>
-          </p:cNvSpPr>
-          <p:nvPr>
-            <p:ph type="title"/>
-          </p:nvPr>
-        </p:nvSpPr>
-        <p:spPr/>
-        <p:txBody>
-          <a:bodyPr/>
-          <a:lstStyle/>
-          <a:p>
-            <a:r>
-              <a:rPr lang="fr-CA" dirty="0" err="1"/>
-              <a:t>Internationalization</a:t>
-            </a:r>
-            <a:r>
-              <a:rPr lang="fr-CA" dirty="0"/>
-              <a:t> and </a:t>
-            </a:r>
-            <a:r>
-              <a:rPr lang="fr-CA" dirty="0" err="1"/>
-              <a:t>localization</a:t>
-            </a:r>
-            <a:r>
-              <a:rPr lang="fr-CA" dirty="0"/>
-              <a:t> ** </a:t>
-            </a:r>
-          </a:p>
-        </p:txBody>
-      </p:sp>
-      <p:sp>
-        <p:nvSpPr>
-          <p:cNvPr id="3" name="Espace réservé du contenu 2">
-            <a:extLst>
-              <a:ext uri="{FF2B5EF4-FFF2-40B4-BE49-F238E27FC236}">
-                <a16:creationId xmlns:a16="http://schemas.microsoft.com/office/drawing/2014/main" id="{4A84130C-1A5C-BCF0-65A2-19C19B2B02BD}"/>
-              </a:ext>
-            </a:extLst>
-          </p:cNvPr>
-          <p:cNvSpPr>
-            <a:spLocks noGrp="1"/>
-          </p:cNvSpPr>
-          <p:nvPr>
-            <p:ph idx="1"/>
-          </p:nvPr>
-        </p:nvSpPr>
-        <p:spPr/>
-        <p:txBody>
-          <a:bodyPr/>
-          <a:lstStyle/>
-          <a:p>
-            <a:endParaRPr lang="fr-CA"/>
-          </a:p>
-        </p:txBody>
-      </p:sp>
-    </p:spTree>
-    <p:extLst>
-      <p:ext uri="{BB962C8B-B14F-4D97-AF65-F5344CB8AC3E}">
-        <p14:creationId xmlns:p14="http://schemas.microsoft.com/office/powerpoint/2010/main" val="1009354616"/>
-      </p:ext>
-    </p:extLst>
-  </p:cSld>
-  <p:clrMapOvr>
-    <a:masterClrMapping/>
-  </p:clrMapOvr>
-</p:sld>
-</file>
-
-<file path=ppt/slides/slide15.xml><?xml version="1.0" encoding="utf-8"?>
-<p:sld xmlns:a="http://schemas.openxmlformats.org/drawingml/2006/main" xmlns:r="http://schemas.openxmlformats.org/officeDocument/2006/relationships" xmlns:p="http://schemas.openxmlformats.org/presentationml/2006/main">
-  <p:cSld>
-    <p:spTree>
-      <p:nvGrpSpPr>
-        <p:cNvPr id="1" name=""/>
-        <p:cNvGrpSpPr/>
-        <p:nvPr/>
-      </p:nvGrpSpPr>
-      <p:grpSpPr>
-        <a:xfrm>
-          <a:off x="0" y="0"/>
-          <a:ext cx="0" cy="0"/>
-          <a:chOff x="0" y="0"/>
-          <a:chExt cx="0" cy="0"/>
-        </a:xfrm>
-      </p:grpSpPr>
-      <p:sp>
-        <p:nvSpPr>
-          <p:cNvPr id="2" name="Titre 1">
-            <a:extLst>
-              <a:ext uri="{FF2B5EF4-FFF2-40B4-BE49-F238E27FC236}">
                 <a16:creationId xmlns:a16="http://schemas.microsoft.com/office/drawing/2014/main" id="{DB0F337F-CC94-C2D3-B06D-3118A81A3633}"/>
               </a:ext>
             </a:extLst>
@@ -7166,7 +7068,7 @@
 </p:sld>
 </file>
 
-<file path=ppt/slides/slide16.xml><?xml version="1.0" encoding="utf-8"?>
+<file path=ppt/slides/slide15.xml><?xml version="1.0" encoding="utf-8"?>
 <p:sld xmlns:a="http://schemas.openxmlformats.org/drawingml/2006/main" xmlns:r="http://schemas.openxmlformats.org/officeDocument/2006/relationships" xmlns:p="http://schemas.openxmlformats.org/presentationml/2006/main">
   <p:cSld>
     <p:spTree>
@@ -7259,7 +7161,7 @@
 </p:sld>
 </file>
 
-<file path=ppt/slides/slide17.xml><?xml version="1.0" encoding="utf-8"?>
+<file path=ppt/slides/slide16.xml><?xml version="1.0" encoding="utf-8"?>
 <p:sld xmlns:a="http://schemas.openxmlformats.org/drawingml/2006/main" xmlns:r="http://schemas.openxmlformats.org/officeDocument/2006/relationships" xmlns:p="http://schemas.openxmlformats.org/presentationml/2006/main">
   <p:cSld>
     <p:spTree>
@@ -7377,7 +7279,7 @@
 </p:sld>
 </file>
 
-<file path=ppt/slides/slide18.xml><?xml version="1.0" encoding="utf-8"?>
+<file path=ppt/slides/slide17.xml><?xml version="1.0" encoding="utf-8"?>
 <p:sld xmlns:a="http://schemas.openxmlformats.org/drawingml/2006/main" xmlns:r="http://schemas.openxmlformats.org/officeDocument/2006/relationships" xmlns:p="http://schemas.openxmlformats.org/presentationml/2006/main">
   <p:cSld>
     <p:spTree>
@@ -7533,214 +7435,7 @@
 </p:sld>
 </file>
 
-<file path=ppt/slides/slide19.xml><?xml version="1.0" encoding="utf-8"?>
-<p:sld xmlns:a="http://schemas.openxmlformats.org/drawingml/2006/main" xmlns:r="http://schemas.openxmlformats.org/officeDocument/2006/relationships" xmlns:p="http://schemas.openxmlformats.org/presentationml/2006/main">
-  <p:cSld>
-    <p:spTree>
-      <p:nvGrpSpPr>
-        <p:cNvPr id="1" name=""/>
-        <p:cNvGrpSpPr/>
-        <p:nvPr/>
-      </p:nvGrpSpPr>
-      <p:grpSpPr>
-        <a:xfrm>
-          <a:off x="0" y="0"/>
-          <a:ext cx="0" cy="0"/>
-          <a:chOff x="0" y="0"/>
-          <a:chExt cx="0" cy="0"/>
-        </a:xfrm>
-      </p:grpSpPr>
-      <p:sp>
-        <p:nvSpPr>
-          <p:cNvPr id="2" name="Titre 1">
-            <a:extLst>
-              <a:ext uri="{FF2B5EF4-FFF2-40B4-BE49-F238E27FC236}">
-                <a16:creationId xmlns:a16="http://schemas.microsoft.com/office/drawing/2014/main" id="{0AECA28E-5D06-8EEB-CBCB-2DBA78D72D8C}"/>
-              </a:ext>
-            </a:extLst>
-          </p:cNvPr>
-          <p:cNvSpPr>
-            <a:spLocks noGrp="1"/>
-          </p:cNvSpPr>
-          <p:nvPr>
-            <p:ph type="title"/>
-          </p:nvPr>
-        </p:nvSpPr>
-        <p:spPr/>
-        <p:txBody>
-          <a:bodyPr/>
-          <a:lstStyle/>
-          <a:p>
-            <a:r>
-              <a:rPr lang="en-US" dirty="0"/>
-              <a:t>URL Rewrite of canonical URLs </a:t>
-            </a:r>
-            <a:endParaRPr lang="fr-CA" dirty="0"/>
-          </a:p>
-        </p:txBody>
-      </p:sp>
-      <p:sp>
-        <p:nvSpPr>
-          <p:cNvPr id="3" name="Espace réservé du contenu 2">
-            <a:extLst>
-              <a:ext uri="{FF2B5EF4-FFF2-40B4-BE49-F238E27FC236}">
-                <a16:creationId xmlns:a16="http://schemas.microsoft.com/office/drawing/2014/main" id="{049E661E-F7D7-0DBC-86F4-D2CA3FF1A629}"/>
-              </a:ext>
-            </a:extLst>
-          </p:cNvPr>
-          <p:cNvSpPr>
-            <a:spLocks noGrp="1"/>
-          </p:cNvSpPr>
-          <p:nvPr>
-            <p:ph idx="1"/>
-          </p:nvPr>
-        </p:nvSpPr>
-        <p:spPr/>
-        <p:txBody>
-          <a:bodyPr/>
-          <a:lstStyle/>
-          <a:p>
-            <a:endParaRPr lang="fr-CA"/>
-          </a:p>
-        </p:txBody>
-      </p:sp>
-    </p:spTree>
-    <p:extLst>
-      <p:ext uri="{BB962C8B-B14F-4D97-AF65-F5344CB8AC3E}">
-        <p14:creationId xmlns:p14="http://schemas.microsoft.com/office/powerpoint/2010/main" val="2898802293"/>
-      </p:ext>
-    </p:extLst>
-  </p:cSld>
-  <p:clrMapOvr>
-    <a:masterClrMapping/>
-  </p:clrMapOvr>
-</p:sld>
-</file>
-
-<file path=ppt/slides/slide2.xml><?xml version="1.0" encoding="utf-8"?>
-<p:sld xmlns:a="http://schemas.openxmlformats.org/drawingml/2006/main" xmlns:r="http://schemas.openxmlformats.org/officeDocument/2006/relationships" xmlns:p="http://schemas.openxmlformats.org/presentationml/2006/main">
-  <p:cSld>
-    <p:spTree>
-      <p:nvGrpSpPr>
-        <p:cNvPr id="1" name=""/>
-        <p:cNvGrpSpPr/>
-        <p:nvPr/>
-      </p:nvGrpSpPr>
-      <p:grpSpPr>
-        <a:xfrm>
-          <a:off x="0" y="0"/>
-          <a:ext cx="0" cy="0"/>
-          <a:chOff x="0" y="0"/>
-          <a:chExt cx="0" cy="0"/>
-        </a:xfrm>
-      </p:grpSpPr>
-      <p:sp>
-        <p:nvSpPr>
-          <p:cNvPr id="2" name="Titre 1">
-            <a:extLst>
-              <a:ext uri="{FF2B5EF4-FFF2-40B4-BE49-F238E27FC236}">
-                <a16:creationId xmlns:a16="http://schemas.microsoft.com/office/drawing/2014/main" id="{C2903DA5-676C-1BFB-562B-E8F558EC8399}"/>
-              </a:ext>
-            </a:extLst>
-          </p:cNvPr>
-          <p:cNvSpPr>
-            <a:spLocks noGrp="1"/>
-          </p:cNvSpPr>
-          <p:nvPr>
-            <p:ph type="title"/>
-          </p:nvPr>
-        </p:nvSpPr>
-        <p:spPr/>
-        <p:txBody>
-          <a:bodyPr/>
-          <a:lstStyle/>
-          <a:p>
-            <a:r>
-              <a:rPr lang="fr-CA" dirty="0" err="1"/>
-              <a:t>Outline</a:t>
-            </a:r>
-            <a:r>
-              <a:rPr lang="fr-CA" dirty="0"/>
-              <a:t> Slide</a:t>
-            </a:r>
-          </a:p>
-        </p:txBody>
-      </p:sp>
-      <p:sp>
-        <p:nvSpPr>
-          <p:cNvPr id="3" name="Espace réservé du contenu 2">
-            <a:extLst>
-              <a:ext uri="{FF2B5EF4-FFF2-40B4-BE49-F238E27FC236}">
-                <a16:creationId xmlns:a16="http://schemas.microsoft.com/office/drawing/2014/main" id="{F0364D48-C50C-4AEE-CE7F-0B8C56862C60}"/>
-              </a:ext>
-            </a:extLst>
-          </p:cNvPr>
-          <p:cNvSpPr>
-            <a:spLocks noGrp="1"/>
-          </p:cNvSpPr>
-          <p:nvPr>
-            <p:ph idx="1"/>
-          </p:nvPr>
-        </p:nvSpPr>
-        <p:spPr/>
-        <p:txBody>
-          <a:bodyPr/>
-          <a:lstStyle/>
-          <a:p>
-            <a:r>
-              <a:rPr lang="en-US" dirty="0"/>
-              <a:t>• Project Description  </a:t>
-            </a:r>
-          </a:p>
-          <a:p>
-            <a:r>
-              <a:rPr lang="en-US" dirty="0"/>
-              <a:t>• Feature Showcase  </a:t>
-            </a:r>
-          </a:p>
-          <a:p>
-            <a:r>
-              <a:rPr lang="en-US" dirty="0"/>
-              <a:t>• Team Responsibilities  </a:t>
-            </a:r>
-          </a:p>
-          <a:p>
-            <a:r>
-              <a:rPr lang="en-US" dirty="0"/>
-              <a:t>• Challenges  </a:t>
-            </a:r>
-          </a:p>
-          <a:p>
-            <a:r>
-              <a:rPr lang="en-US" dirty="0"/>
-              <a:t>• Learning Outcomes  </a:t>
-            </a:r>
-          </a:p>
-          <a:p>
-            <a:r>
-              <a:rPr lang="en-US" dirty="0"/>
-              <a:t>• Demo</a:t>
-            </a:r>
-          </a:p>
-          <a:p>
-            <a:endParaRPr lang="fr-CA" dirty="0"/>
-          </a:p>
-        </p:txBody>
-      </p:sp>
-    </p:spTree>
-    <p:extLst>
-      <p:ext uri="{BB962C8B-B14F-4D97-AF65-F5344CB8AC3E}">
-        <p14:creationId xmlns:p14="http://schemas.microsoft.com/office/powerpoint/2010/main" val="3545316793"/>
-      </p:ext>
-    </p:extLst>
-  </p:cSld>
-  <p:clrMapOvr>
-    <a:masterClrMapping/>
-  </p:clrMapOvr>
-</p:sld>
-</file>
-
-<file path=ppt/slides/slide20.xml><?xml version="1.0" encoding="utf-8"?>
+<file path=ppt/slides/slide18.xml><?xml version="1.0" encoding="utf-8"?>
 <p:sld xmlns:a="http://schemas.openxmlformats.org/drawingml/2006/main" xmlns:r="http://schemas.openxmlformats.org/officeDocument/2006/relationships" xmlns:p="http://schemas.openxmlformats.org/presentationml/2006/main">
   <p:cSld>
     <p:spTree>
@@ -7930,6 +7625,384 @@
 </p:sld>
 </file>
 
+<file path=ppt/slides/slide19.xml><?xml version="1.0" encoding="utf-8"?>
+<p:sld xmlns:a="http://schemas.openxmlformats.org/drawingml/2006/main" xmlns:r="http://schemas.openxmlformats.org/officeDocument/2006/relationships" xmlns:p="http://schemas.openxmlformats.org/presentationml/2006/main">
+  <p:cSld>
+    <p:spTree>
+      <p:nvGrpSpPr>
+        <p:cNvPr id="1" name=""/>
+        <p:cNvGrpSpPr/>
+        <p:nvPr/>
+      </p:nvGrpSpPr>
+      <p:grpSpPr>
+        <a:xfrm>
+          <a:off x="0" y="0"/>
+          <a:ext cx="0" cy="0"/>
+          <a:chOff x="0" y="0"/>
+          <a:chExt cx="0" cy="0"/>
+        </a:xfrm>
+      </p:grpSpPr>
+      <p:sp>
+        <p:nvSpPr>
+          <p:cNvPr id="2" name="Titre 1">
+            <a:extLst>
+              <a:ext uri="{FF2B5EF4-FFF2-40B4-BE49-F238E27FC236}">
+                <a16:creationId xmlns:a16="http://schemas.microsoft.com/office/drawing/2014/main" id="{B7AB7EEE-8C64-04B0-3D0A-8DC09EED671F}"/>
+              </a:ext>
+            </a:extLst>
+          </p:cNvPr>
+          <p:cNvSpPr>
+            <a:spLocks noGrp="1"/>
+          </p:cNvSpPr>
+          <p:nvPr>
+            <p:ph type="title"/>
+          </p:nvPr>
+        </p:nvSpPr>
+        <p:spPr/>
+        <p:txBody>
+          <a:bodyPr/>
+          <a:lstStyle/>
+          <a:p>
+            <a:r>
+              <a:rPr lang="fr-CA" dirty="0"/>
+              <a:t>Team </a:t>
+            </a:r>
+            <a:r>
+              <a:rPr lang="fr-CA" dirty="0" err="1"/>
+              <a:t>Members</a:t>
+            </a:r>
+            <a:r>
+              <a:rPr lang="fr-CA" dirty="0"/>
+              <a:t> </a:t>
+            </a:r>
+            <a:r>
+              <a:rPr lang="fr-CA" dirty="0" err="1"/>
+              <a:t>Responsibilities</a:t>
+            </a:r>
+            <a:endParaRPr lang="fr-CA" dirty="0"/>
+          </a:p>
+        </p:txBody>
+      </p:sp>
+      <p:sp>
+        <p:nvSpPr>
+          <p:cNvPr id="3" name="Espace réservé du contenu 2">
+            <a:extLst>
+              <a:ext uri="{FF2B5EF4-FFF2-40B4-BE49-F238E27FC236}">
+                <a16:creationId xmlns:a16="http://schemas.microsoft.com/office/drawing/2014/main" id="{0866BE37-BB61-286A-D5B4-A8B1723738C3}"/>
+              </a:ext>
+            </a:extLst>
+          </p:cNvPr>
+          <p:cNvSpPr>
+            <a:spLocks noGrp="1"/>
+          </p:cNvSpPr>
+          <p:nvPr>
+            <p:ph idx="1"/>
+          </p:nvPr>
+        </p:nvSpPr>
+        <p:spPr/>
+        <p:txBody>
+          <a:bodyPr/>
+          <a:lstStyle/>
+          <a:p>
+            <a:r>
+              <a:rPr lang="en-US" dirty="0"/>
+              <a:t>Enrique Garcia did every mistake</a:t>
+            </a:r>
+          </a:p>
+          <a:p>
+            <a:r>
+              <a:rPr lang="en-US" dirty="0"/>
+              <a:t>Honorable mentions</a:t>
+            </a:r>
+          </a:p>
+          <a:p>
+            <a:pPr>
+              <a:buFont typeface="+mj-lt"/>
+              <a:buAutoNum type="arabicPeriod"/>
+            </a:pPr>
+            <a:r>
+              <a:rPr lang="en-US" dirty="0"/>
+              <a:t>w3Schools</a:t>
+            </a:r>
+          </a:p>
+          <a:p>
+            <a:pPr>
+              <a:buFont typeface="+mj-lt"/>
+              <a:buAutoNum type="arabicPeriod"/>
+            </a:pPr>
+            <a:r>
+              <a:rPr lang="en-US" dirty="0" err="1"/>
+              <a:t>StackOverflow</a:t>
+            </a:r>
+            <a:endParaRPr lang="en-US" dirty="0"/>
+          </a:p>
+          <a:p>
+            <a:pPr>
+              <a:buFont typeface="+mj-lt"/>
+              <a:buAutoNum type="arabicPeriod"/>
+            </a:pPr>
+            <a:r>
+              <a:rPr lang="en-US" dirty="0" err="1"/>
+              <a:t>Php</a:t>
+            </a:r>
+            <a:r>
+              <a:rPr lang="en-US" dirty="0"/>
+              <a:t> wiki</a:t>
+            </a:r>
+            <a:endParaRPr lang="fr-CA" dirty="0"/>
+          </a:p>
+        </p:txBody>
+      </p:sp>
+    </p:spTree>
+    <p:extLst>
+      <p:ext uri="{BB962C8B-B14F-4D97-AF65-F5344CB8AC3E}">
+        <p14:creationId xmlns:p14="http://schemas.microsoft.com/office/powerpoint/2010/main" val="931174857"/>
+      </p:ext>
+    </p:extLst>
+  </p:cSld>
+  <p:clrMapOvr>
+    <a:masterClrMapping/>
+  </p:clrMapOvr>
+</p:sld>
+</file>
+
+<file path=ppt/slides/slide2.xml><?xml version="1.0" encoding="utf-8"?>
+<p:sld xmlns:a="http://schemas.openxmlformats.org/drawingml/2006/main" xmlns:r="http://schemas.openxmlformats.org/officeDocument/2006/relationships" xmlns:p="http://schemas.openxmlformats.org/presentationml/2006/main">
+  <p:cSld>
+    <p:spTree>
+      <p:nvGrpSpPr>
+        <p:cNvPr id="1" name=""/>
+        <p:cNvGrpSpPr/>
+        <p:nvPr/>
+      </p:nvGrpSpPr>
+      <p:grpSpPr>
+        <a:xfrm>
+          <a:off x="0" y="0"/>
+          <a:ext cx="0" cy="0"/>
+          <a:chOff x="0" y="0"/>
+          <a:chExt cx="0" cy="0"/>
+        </a:xfrm>
+      </p:grpSpPr>
+      <p:sp>
+        <p:nvSpPr>
+          <p:cNvPr id="2" name="Titre 1">
+            <a:extLst>
+              <a:ext uri="{FF2B5EF4-FFF2-40B4-BE49-F238E27FC236}">
+                <a16:creationId xmlns:a16="http://schemas.microsoft.com/office/drawing/2014/main" id="{C2903DA5-676C-1BFB-562B-E8F558EC8399}"/>
+              </a:ext>
+            </a:extLst>
+          </p:cNvPr>
+          <p:cNvSpPr>
+            <a:spLocks noGrp="1"/>
+          </p:cNvSpPr>
+          <p:nvPr>
+            <p:ph type="title"/>
+          </p:nvPr>
+        </p:nvSpPr>
+        <p:spPr/>
+        <p:txBody>
+          <a:bodyPr/>
+          <a:lstStyle/>
+          <a:p>
+            <a:r>
+              <a:rPr lang="fr-CA" dirty="0" err="1"/>
+              <a:t>Outline</a:t>
+            </a:r>
+            <a:r>
+              <a:rPr lang="fr-CA" dirty="0"/>
+              <a:t> Slide</a:t>
+            </a:r>
+          </a:p>
+        </p:txBody>
+      </p:sp>
+      <p:sp>
+        <p:nvSpPr>
+          <p:cNvPr id="3" name="Espace réservé du contenu 2">
+            <a:extLst>
+              <a:ext uri="{FF2B5EF4-FFF2-40B4-BE49-F238E27FC236}">
+                <a16:creationId xmlns:a16="http://schemas.microsoft.com/office/drawing/2014/main" id="{F0364D48-C50C-4AEE-CE7F-0B8C56862C60}"/>
+              </a:ext>
+            </a:extLst>
+          </p:cNvPr>
+          <p:cNvSpPr>
+            <a:spLocks noGrp="1"/>
+          </p:cNvSpPr>
+          <p:nvPr>
+            <p:ph idx="1"/>
+          </p:nvPr>
+        </p:nvSpPr>
+        <p:spPr/>
+        <p:txBody>
+          <a:bodyPr/>
+          <a:lstStyle/>
+          <a:p>
+            <a:r>
+              <a:rPr lang="en-US" dirty="0"/>
+              <a:t>• Project Description  </a:t>
+            </a:r>
+          </a:p>
+          <a:p>
+            <a:r>
+              <a:rPr lang="en-US" dirty="0"/>
+              <a:t>• Feature Showcase  </a:t>
+            </a:r>
+          </a:p>
+          <a:p>
+            <a:r>
+              <a:rPr lang="en-US" dirty="0"/>
+              <a:t>• Team Responsibilities  </a:t>
+            </a:r>
+          </a:p>
+          <a:p>
+            <a:r>
+              <a:rPr lang="en-US" dirty="0"/>
+              <a:t>• Challenges  </a:t>
+            </a:r>
+          </a:p>
+          <a:p>
+            <a:r>
+              <a:rPr lang="en-US" dirty="0"/>
+              <a:t>• Learning Outcomes  </a:t>
+            </a:r>
+          </a:p>
+          <a:p>
+            <a:r>
+              <a:rPr lang="en-US" dirty="0"/>
+              <a:t>• Demo</a:t>
+            </a:r>
+          </a:p>
+          <a:p>
+            <a:endParaRPr lang="fr-CA" dirty="0"/>
+          </a:p>
+        </p:txBody>
+      </p:sp>
+    </p:spTree>
+    <p:extLst>
+      <p:ext uri="{BB962C8B-B14F-4D97-AF65-F5344CB8AC3E}">
+        <p14:creationId xmlns:p14="http://schemas.microsoft.com/office/powerpoint/2010/main" val="3545316793"/>
+      </p:ext>
+    </p:extLst>
+  </p:cSld>
+  <p:clrMapOvr>
+    <a:masterClrMapping/>
+  </p:clrMapOvr>
+</p:sld>
+</file>
+
+<file path=ppt/slides/slide20.xml><?xml version="1.0" encoding="utf-8"?>
+<p:sld xmlns:a="http://schemas.openxmlformats.org/drawingml/2006/main" xmlns:r="http://schemas.openxmlformats.org/officeDocument/2006/relationships" xmlns:p="http://schemas.openxmlformats.org/presentationml/2006/main">
+  <p:cSld>
+    <p:spTree>
+      <p:nvGrpSpPr>
+        <p:cNvPr id="1" name=""/>
+        <p:cNvGrpSpPr/>
+        <p:nvPr/>
+      </p:nvGrpSpPr>
+      <p:grpSpPr>
+        <a:xfrm>
+          <a:off x="0" y="0"/>
+          <a:ext cx="0" cy="0"/>
+          <a:chOff x="0" y="0"/>
+          <a:chExt cx="0" cy="0"/>
+        </a:xfrm>
+      </p:grpSpPr>
+      <p:sp>
+        <p:nvSpPr>
+          <p:cNvPr id="2" name="Titre 1">
+            <a:extLst>
+              <a:ext uri="{FF2B5EF4-FFF2-40B4-BE49-F238E27FC236}">
+                <a16:creationId xmlns:a16="http://schemas.microsoft.com/office/drawing/2014/main" id="{3C8E6743-BA04-5AB3-1A39-D2B108400C9D}"/>
+              </a:ext>
+            </a:extLst>
+          </p:cNvPr>
+          <p:cNvSpPr>
+            <a:spLocks noGrp="1"/>
+          </p:cNvSpPr>
+          <p:nvPr>
+            <p:ph type="title"/>
+          </p:nvPr>
+        </p:nvSpPr>
+        <p:spPr/>
+        <p:txBody>
+          <a:bodyPr/>
+          <a:lstStyle/>
+          <a:p>
+            <a:r>
+              <a:rPr lang="en-US" dirty="0"/>
+              <a:t>Challenges</a:t>
+            </a:r>
+            <a:endParaRPr lang="fr-CA" dirty="0"/>
+          </a:p>
+        </p:txBody>
+      </p:sp>
+      <p:sp>
+        <p:nvSpPr>
+          <p:cNvPr id="3" name="Espace réservé du contenu 2">
+            <a:extLst>
+              <a:ext uri="{FF2B5EF4-FFF2-40B4-BE49-F238E27FC236}">
+                <a16:creationId xmlns:a16="http://schemas.microsoft.com/office/drawing/2014/main" id="{B3F4E99F-E8E1-B73C-9DC2-A747DFDB1119}"/>
+              </a:ext>
+            </a:extLst>
+          </p:cNvPr>
+          <p:cNvSpPr>
+            <a:spLocks noGrp="1"/>
+          </p:cNvSpPr>
+          <p:nvPr>
+            <p:ph idx="1"/>
+          </p:nvPr>
+        </p:nvSpPr>
+        <p:spPr/>
+        <p:txBody>
+          <a:bodyPr/>
+          <a:lstStyle/>
+          <a:p>
+            <a:r>
+              <a:rPr lang="en-US" dirty="0"/>
+              <a:t>Struggled with time management, which led to rushing parts of the project near the deadline.</a:t>
+            </a:r>
+          </a:p>
+          <a:p>
+            <a:r>
+              <a:rPr lang="en-US" dirty="0"/>
+              <a:t>Faced issues with URL rewriting using .</a:t>
+            </a:r>
+            <a:r>
+              <a:rPr lang="en-US" dirty="0" err="1"/>
+              <a:t>htaccess</a:t>
+            </a:r>
+            <a:r>
+              <a:rPr lang="en-US" dirty="0"/>
+              <a:t>, especially getting query strings to display cleanly and trigger correctly.</a:t>
+            </a:r>
+          </a:p>
+          <a:p>
+            <a:r>
+              <a:rPr lang="en-US" dirty="0"/>
+              <a:t>Had trouble organizing file paths and relative/absolute directory references, which broke some includes early on.</a:t>
+            </a:r>
+          </a:p>
+          <a:p>
+            <a:r>
+              <a:rPr lang="en-US" dirty="0"/>
+              <a:t>Integration of Monolog logging was initially confusing, especially deciding where to log events (model vs. controller).</a:t>
+            </a:r>
+            <a:endParaRPr lang="fr-CA" dirty="0"/>
+          </a:p>
+        </p:txBody>
+      </p:sp>
+    </p:spTree>
+    <p:extLst>
+      <p:ext uri="{BB962C8B-B14F-4D97-AF65-F5344CB8AC3E}">
+        <p14:creationId xmlns:p14="http://schemas.microsoft.com/office/powerpoint/2010/main" val="862183157"/>
+      </p:ext>
+    </p:extLst>
+  </p:cSld>
+  <p:clrMapOvr>
+    <a:masterClrMapping/>
+  </p:clrMapOvr>
+</p:sld>
+</file>
+
 <file path=ppt/slides/slide21.xml><?xml version="1.0" encoding="utf-8"?>
 <p:sld xmlns:a="http://schemas.openxmlformats.org/drawingml/2006/main" xmlns:r="http://schemas.openxmlformats.org/officeDocument/2006/relationships" xmlns:p="http://schemas.openxmlformats.org/presentationml/2006/main">
   <p:cSld>
@@ -7949,10 +8022,10 @@
       </p:grpSpPr>
       <p:sp>
         <p:nvSpPr>
-          <p:cNvPr id="2" name="Title 1">
+          <p:cNvPr id="2" name="Titre 1">
             <a:extLst>
               <a:ext uri="{FF2B5EF4-FFF2-40B4-BE49-F238E27FC236}">
-                <a16:creationId xmlns:a16="http://schemas.microsoft.com/office/drawing/2014/main" id="{2D9DB622-0DA7-409D-8800-83806122EF96}"/>
+                <a16:creationId xmlns:a16="http://schemas.microsoft.com/office/drawing/2014/main" id="{A16C0BE0-6747-EF24-ED76-0D708DAF6ECF}"/>
               </a:ext>
             </a:extLst>
           </p:cNvPr>
@@ -7969,18 +8042,23 @@
           <a:lstStyle/>
           <a:p>
             <a:r>
-              <a:rPr lang="en-US" dirty="0"/>
-              <a:t>Gherkin</a:t>
-            </a:r>
-          </a:p>
-        </p:txBody>
-      </p:sp>
-      <p:sp>
-        <p:nvSpPr>
-          <p:cNvPr id="3" name="Content Placeholder 2">
+              <a:rPr lang="fr-CA" dirty="0"/>
+              <a:t>Learning </a:t>
+            </a:r>
+            <a:r>
+              <a:rPr lang="fr-CA" dirty="0" err="1"/>
+              <a:t>Outcomes</a:t>
+            </a:r>
+            <a:endParaRPr lang="fr-CA" dirty="0"/>
+          </a:p>
+        </p:txBody>
+      </p:sp>
+      <p:sp>
+        <p:nvSpPr>
+          <p:cNvPr id="3" name="Espace réservé du contenu 2">
             <a:extLst>
               <a:ext uri="{FF2B5EF4-FFF2-40B4-BE49-F238E27FC236}">
-                <a16:creationId xmlns:a16="http://schemas.microsoft.com/office/drawing/2014/main" id="{9075CA11-E129-4990-8845-F62784DD70FC}"/>
+                <a16:creationId xmlns:a16="http://schemas.microsoft.com/office/drawing/2014/main" id="{F3051BD7-D967-9308-C638-0C3941140A01}"/>
               </a:ext>
             </a:extLst>
           </p:cNvPr>
@@ -7991,19 +8069,62 @@
             <p:ph idx="1"/>
           </p:nvPr>
         </p:nvSpPr>
-        <p:spPr/>
-        <p:txBody>
-          <a:bodyPr/>
-          <a:lstStyle/>
-          <a:p>
-            <a:endParaRPr lang="en-US"/>
+        <p:spPr>
+          <a:xfrm>
+            <a:off x="677334" y="1700463"/>
+            <a:ext cx="8596668" cy="5005138"/>
+          </a:xfrm>
+        </p:spPr>
+        <p:txBody>
+          <a:bodyPr>
+            <a:normAutofit/>
+          </a:bodyPr>
+          <a:lstStyle/>
+          <a:p>
+            <a:r>
+              <a:rPr lang="en-US" dirty="0"/>
+              <a:t>Gained hands-on experience with MVC architecture and organizing code into Models, Views, and Controllers.</a:t>
+            </a:r>
+          </a:p>
+          <a:p>
+            <a:r>
+              <a:rPr lang="en-US" dirty="0"/>
+              <a:t>Learned how to use URL rewriting with .</a:t>
+            </a:r>
+            <a:r>
+              <a:rPr lang="en-US" dirty="0" err="1"/>
+              <a:t>htaccess</a:t>
+            </a:r>
+            <a:r>
+              <a:rPr lang="en-US" dirty="0"/>
+              <a:t> for cleaner and more user-friendly URLs.</a:t>
+            </a:r>
+          </a:p>
+          <a:p>
+            <a:r>
+              <a:rPr lang="en-US" dirty="0"/>
+              <a:t>Improved skills in PHP class-based development, especially around routing, autoloading, and modular structure. </a:t>
+            </a:r>
+          </a:p>
+          <a:p>
+            <a:r>
+              <a:rPr lang="en-US" dirty="0"/>
+              <a:t>Understood how to structure SQL queries and use PDO securely to interact with a MySQL database.</a:t>
+            </a:r>
+          </a:p>
+          <a:p>
+            <a:r>
+              <a:rPr lang="en-US" dirty="0"/>
+              <a:t>Learned how to design a user-friendly interface and how small UI decisions impact the shopping experience.</a:t>
+            </a:r>
+            <a:endParaRPr lang="fr-CA" dirty="0"/>
           </a:p>
         </p:txBody>
       </p:sp>
     </p:spTree>
     <p:extLst>
       <p:ext uri="{BB962C8B-B14F-4D97-AF65-F5344CB8AC3E}">
-        <p14:creationId xmlns:p14="http://schemas.microsoft.com/office/powerpoint/2010/main" val="3950208767"/>
+        <p14:creationId xmlns:p14="http://schemas.microsoft.com/office/powerpoint/2010/main" val="419278411"/>
       </p:ext>
     </p:extLst>
   </p:cSld>
@@ -8035,392 +8156,6 @@
           <p:cNvPr id="2" name="Titre 1">
             <a:extLst>
               <a:ext uri="{FF2B5EF4-FFF2-40B4-BE49-F238E27FC236}">
-                <a16:creationId xmlns:a16="http://schemas.microsoft.com/office/drawing/2014/main" id="{B7AB7EEE-8C64-04B0-3D0A-8DC09EED671F}"/>
-              </a:ext>
-            </a:extLst>
-          </p:cNvPr>
-          <p:cNvSpPr>
-            <a:spLocks noGrp="1"/>
-          </p:cNvSpPr>
-          <p:nvPr>
-            <p:ph type="title"/>
-          </p:nvPr>
-        </p:nvSpPr>
-        <p:spPr/>
-        <p:txBody>
-          <a:bodyPr/>
-          <a:lstStyle/>
-          <a:p>
-            <a:r>
-              <a:rPr lang="fr-CA" dirty="0"/>
-              <a:t>Team </a:t>
-            </a:r>
-            <a:r>
-              <a:rPr lang="fr-CA" dirty="0" err="1"/>
-              <a:t>Members</a:t>
-            </a:r>
-            <a:r>
-              <a:rPr lang="fr-CA" dirty="0"/>
-              <a:t> </a:t>
-            </a:r>
-            <a:r>
-              <a:rPr lang="fr-CA" dirty="0" err="1"/>
-              <a:t>Responsibilities</a:t>
-            </a:r>
-            <a:endParaRPr lang="fr-CA" dirty="0"/>
-          </a:p>
-        </p:txBody>
-      </p:sp>
-      <p:sp>
-        <p:nvSpPr>
-          <p:cNvPr id="3" name="Espace réservé du contenu 2">
-            <a:extLst>
-              <a:ext uri="{FF2B5EF4-FFF2-40B4-BE49-F238E27FC236}">
-                <a16:creationId xmlns:a16="http://schemas.microsoft.com/office/drawing/2014/main" id="{0866BE37-BB61-286A-D5B4-A8B1723738C3}"/>
-              </a:ext>
-            </a:extLst>
-          </p:cNvPr>
-          <p:cNvSpPr>
-            <a:spLocks noGrp="1"/>
-          </p:cNvSpPr>
-          <p:nvPr>
-            <p:ph idx="1"/>
-          </p:nvPr>
-        </p:nvSpPr>
-        <p:spPr/>
-        <p:txBody>
-          <a:bodyPr/>
-          <a:lstStyle/>
-          <a:p>
-            <a:r>
-              <a:rPr lang="en-US" dirty="0"/>
-              <a:t>Enrique Garcia did every mistake</a:t>
-            </a:r>
-          </a:p>
-          <a:p>
-            <a:r>
-              <a:rPr lang="en-US" dirty="0"/>
-              <a:t>Honorable mentions</a:t>
-            </a:r>
-          </a:p>
-          <a:p>
-            <a:pPr>
-              <a:buFont typeface="+mj-lt"/>
-              <a:buAutoNum type="arabicPeriod"/>
-            </a:pPr>
-            <a:r>
-              <a:rPr lang="en-US" dirty="0"/>
-              <a:t>w3Schools</a:t>
-            </a:r>
-          </a:p>
-          <a:p>
-            <a:pPr>
-              <a:buFont typeface="+mj-lt"/>
-              <a:buAutoNum type="arabicPeriod"/>
-            </a:pPr>
-            <a:r>
-              <a:rPr lang="en-US" dirty="0" err="1"/>
-              <a:t>StackOverflow</a:t>
-            </a:r>
-            <a:endParaRPr lang="en-US" dirty="0"/>
-          </a:p>
-          <a:p>
-            <a:pPr>
-              <a:buFont typeface="+mj-lt"/>
-              <a:buAutoNum type="arabicPeriod"/>
-            </a:pPr>
-            <a:r>
-              <a:rPr lang="en-US" dirty="0" err="1"/>
-              <a:t>Php</a:t>
-            </a:r>
-            <a:r>
-              <a:rPr lang="en-US" dirty="0"/>
-              <a:t> wiki</a:t>
-            </a:r>
-            <a:endParaRPr lang="fr-CA" dirty="0"/>
-          </a:p>
-        </p:txBody>
-      </p:sp>
-    </p:spTree>
-    <p:extLst>
-      <p:ext uri="{BB962C8B-B14F-4D97-AF65-F5344CB8AC3E}">
-        <p14:creationId xmlns:p14="http://schemas.microsoft.com/office/powerpoint/2010/main" val="931174857"/>
-      </p:ext>
-    </p:extLst>
-  </p:cSld>
-  <p:clrMapOvr>
-    <a:masterClrMapping/>
-  </p:clrMapOvr>
-</p:sld>
-</file>
-
-<file path=ppt/slides/slide23.xml><?xml version="1.0" encoding="utf-8"?>
-<p:sld xmlns:a="http://schemas.openxmlformats.org/drawingml/2006/main" xmlns:r="http://schemas.openxmlformats.org/officeDocument/2006/relationships" xmlns:p="http://schemas.openxmlformats.org/presentationml/2006/main">
-  <p:cSld>
-    <p:spTree>
-      <p:nvGrpSpPr>
-        <p:cNvPr id="1" name=""/>
-        <p:cNvGrpSpPr/>
-        <p:nvPr/>
-      </p:nvGrpSpPr>
-      <p:grpSpPr>
-        <a:xfrm>
-          <a:off x="0" y="0"/>
-          <a:ext cx="0" cy="0"/>
-          <a:chOff x="0" y="0"/>
-          <a:chExt cx="0" cy="0"/>
-        </a:xfrm>
-      </p:grpSpPr>
-      <p:sp>
-        <p:nvSpPr>
-          <p:cNvPr id="2" name="Titre 1">
-            <a:extLst>
-              <a:ext uri="{FF2B5EF4-FFF2-40B4-BE49-F238E27FC236}">
-                <a16:creationId xmlns:a16="http://schemas.microsoft.com/office/drawing/2014/main" id="{3C8E6743-BA04-5AB3-1A39-D2B108400C9D}"/>
-              </a:ext>
-            </a:extLst>
-          </p:cNvPr>
-          <p:cNvSpPr>
-            <a:spLocks noGrp="1"/>
-          </p:cNvSpPr>
-          <p:nvPr>
-            <p:ph type="title"/>
-          </p:nvPr>
-        </p:nvSpPr>
-        <p:spPr/>
-        <p:txBody>
-          <a:bodyPr/>
-          <a:lstStyle/>
-          <a:p>
-            <a:r>
-              <a:rPr lang="en-US" dirty="0"/>
-              <a:t>Challenges</a:t>
-            </a:r>
-            <a:endParaRPr lang="fr-CA" dirty="0"/>
-          </a:p>
-        </p:txBody>
-      </p:sp>
-      <p:sp>
-        <p:nvSpPr>
-          <p:cNvPr id="3" name="Espace réservé du contenu 2">
-            <a:extLst>
-              <a:ext uri="{FF2B5EF4-FFF2-40B4-BE49-F238E27FC236}">
-                <a16:creationId xmlns:a16="http://schemas.microsoft.com/office/drawing/2014/main" id="{B3F4E99F-E8E1-B73C-9DC2-A747DFDB1119}"/>
-              </a:ext>
-            </a:extLst>
-          </p:cNvPr>
-          <p:cNvSpPr>
-            <a:spLocks noGrp="1"/>
-          </p:cNvSpPr>
-          <p:nvPr>
-            <p:ph idx="1"/>
-          </p:nvPr>
-        </p:nvSpPr>
-        <p:spPr/>
-        <p:txBody>
-          <a:bodyPr/>
-          <a:lstStyle/>
-          <a:p>
-            <a:r>
-              <a:rPr lang="en-US" dirty="0"/>
-              <a:t>Struggled with time management, which led to rushing parts of the project near the deadline.</a:t>
-            </a:r>
-          </a:p>
-          <a:p>
-            <a:r>
-              <a:rPr lang="en-US" dirty="0"/>
-              <a:t>Faced issues with URL rewriting using .</a:t>
-            </a:r>
-            <a:r>
-              <a:rPr lang="en-US" dirty="0" err="1"/>
-              <a:t>htaccess</a:t>
-            </a:r>
-            <a:r>
-              <a:rPr lang="en-US" dirty="0"/>
-              <a:t>, especially getting query strings to display cleanly and trigger correctly.</a:t>
-            </a:r>
-          </a:p>
-          <a:p>
-            <a:r>
-              <a:rPr lang="en-US" dirty="0"/>
-              <a:t>Had trouble organizing file paths and relative/absolute directory references, which broke some includes early on.</a:t>
-            </a:r>
-          </a:p>
-          <a:p>
-            <a:r>
-              <a:rPr lang="en-US" dirty="0"/>
-              <a:t>Integration of Monolog logging was initially confusing, especially deciding where to log events (model vs. controller).</a:t>
-            </a:r>
-            <a:endParaRPr lang="fr-CA" dirty="0"/>
-          </a:p>
-        </p:txBody>
-      </p:sp>
-    </p:spTree>
-    <p:extLst>
-      <p:ext uri="{BB962C8B-B14F-4D97-AF65-F5344CB8AC3E}">
-        <p14:creationId xmlns:p14="http://schemas.microsoft.com/office/powerpoint/2010/main" val="862183157"/>
-      </p:ext>
-    </p:extLst>
-  </p:cSld>
-  <p:clrMapOvr>
-    <a:masterClrMapping/>
-  </p:clrMapOvr>
-</p:sld>
-</file>
-
-<file path=ppt/slides/slide24.xml><?xml version="1.0" encoding="utf-8"?>
-<p:sld xmlns:a="http://schemas.openxmlformats.org/drawingml/2006/main" xmlns:r="http://schemas.openxmlformats.org/officeDocument/2006/relationships" xmlns:p="http://schemas.openxmlformats.org/presentationml/2006/main">
-  <p:cSld>
-    <p:spTree>
-      <p:nvGrpSpPr>
-        <p:cNvPr id="1" name=""/>
-        <p:cNvGrpSpPr/>
-        <p:nvPr/>
-      </p:nvGrpSpPr>
-      <p:grpSpPr>
-        <a:xfrm>
-          <a:off x="0" y="0"/>
-          <a:ext cx="0" cy="0"/>
-          <a:chOff x="0" y="0"/>
-          <a:chExt cx="0" cy="0"/>
-        </a:xfrm>
-      </p:grpSpPr>
-      <p:sp>
-        <p:nvSpPr>
-          <p:cNvPr id="2" name="Titre 1">
-            <a:extLst>
-              <a:ext uri="{FF2B5EF4-FFF2-40B4-BE49-F238E27FC236}">
-                <a16:creationId xmlns:a16="http://schemas.microsoft.com/office/drawing/2014/main" id="{A16C0BE0-6747-EF24-ED76-0D708DAF6ECF}"/>
-              </a:ext>
-            </a:extLst>
-          </p:cNvPr>
-          <p:cNvSpPr>
-            <a:spLocks noGrp="1"/>
-          </p:cNvSpPr>
-          <p:nvPr>
-            <p:ph type="title"/>
-          </p:nvPr>
-        </p:nvSpPr>
-        <p:spPr/>
-        <p:txBody>
-          <a:bodyPr/>
-          <a:lstStyle/>
-          <a:p>
-            <a:r>
-              <a:rPr lang="fr-CA" dirty="0"/>
-              <a:t>Learning </a:t>
-            </a:r>
-            <a:r>
-              <a:rPr lang="fr-CA" dirty="0" err="1"/>
-              <a:t>Outcomes</a:t>
-            </a:r>
-            <a:endParaRPr lang="fr-CA" dirty="0"/>
-          </a:p>
-        </p:txBody>
-      </p:sp>
-      <p:sp>
-        <p:nvSpPr>
-          <p:cNvPr id="3" name="Espace réservé du contenu 2">
-            <a:extLst>
-              <a:ext uri="{FF2B5EF4-FFF2-40B4-BE49-F238E27FC236}">
-                <a16:creationId xmlns:a16="http://schemas.microsoft.com/office/drawing/2014/main" id="{F3051BD7-D967-9308-C638-0C3941140A01}"/>
-              </a:ext>
-            </a:extLst>
-          </p:cNvPr>
-          <p:cNvSpPr>
-            <a:spLocks noGrp="1"/>
-          </p:cNvSpPr>
-          <p:nvPr>
-            <p:ph idx="1"/>
-          </p:nvPr>
-        </p:nvSpPr>
-        <p:spPr>
-          <a:xfrm>
-            <a:off x="677334" y="1700463"/>
-            <a:ext cx="8596668" cy="5005138"/>
-          </a:xfrm>
-        </p:spPr>
-        <p:txBody>
-          <a:bodyPr>
-            <a:normAutofit/>
-          </a:bodyPr>
-          <a:lstStyle/>
-          <a:p>
-            <a:r>
-              <a:rPr lang="en-US" dirty="0"/>
-              <a:t>Gained hands-on experience with MVC architecture and organizing code into Models, Views, and Controllers.</a:t>
-            </a:r>
-          </a:p>
-          <a:p>
-            <a:r>
-              <a:rPr lang="en-US" dirty="0"/>
-              <a:t>Learned how to use URL rewriting with .</a:t>
-            </a:r>
-            <a:r>
-              <a:rPr lang="en-US" dirty="0" err="1"/>
-              <a:t>htaccess</a:t>
-            </a:r>
-            <a:r>
-              <a:rPr lang="en-US" dirty="0"/>
-              <a:t> for cleaner and more user-friendly URLs.</a:t>
-            </a:r>
-          </a:p>
-          <a:p>
-            <a:r>
-              <a:rPr lang="en-US" dirty="0"/>
-              <a:t>Improved skills in PHP class-based development, especially around routing, autoloading, and modular structure. </a:t>
-            </a:r>
-          </a:p>
-          <a:p>
-            <a:r>
-              <a:rPr lang="en-US" dirty="0"/>
-              <a:t>Understood how to structure SQL queries and use PDO securely to interact with a MySQL database.</a:t>
-            </a:r>
-          </a:p>
-          <a:p>
-            <a:r>
-              <a:rPr lang="en-US" dirty="0"/>
-              <a:t>Learned how to design a user-friendly interface and how small UI decisions impact the shopping experience.</a:t>
-            </a:r>
-            <a:endParaRPr lang="fr-CA" dirty="0"/>
-          </a:p>
-        </p:txBody>
-      </p:sp>
-    </p:spTree>
-    <p:extLst>
-      <p:ext uri="{BB962C8B-B14F-4D97-AF65-F5344CB8AC3E}">
-        <p14:creationId xmlns:p14="http://schemas.microsoft.com/office/powerpoint/2010/main" val="419278411"/>
-      </p:ext>
-    </p:extLst>
-  </p:cSld>
-  <p:clrMapOvr>
-    <a:masterClrMapping/>
-  </p:clrMapOvr>
-</p:sld>
-</file>
-
-<file path=ppt/slides/slide25.xml><?xml version="1.0" encoding="utf-8"?>
-<p:sld xmlns:a="http://schemas.openxmlformats.org/drawingml/2006/main" xmlns:r="http://schemas.openxmlformats.org/officeDocument/2006/relationships" xmlns:p="http://schemas.openxmlformats.org/presentationml/2006/main">
-  <p:cSld>
-    <p:spTree>
-      <p:nvGrpSpPr>
-        <p:cNvPr id="1" name=""/>
-        <p:cNvGrpSpPr/>
-        <p:nvPr/>
-      </p:nvGrpSpPr>
-      <p:grpSpPr>
-        <a:xfrm>
-          <a:off x="0" y="0"/>
-          <a:ext cx="0" cy="0"/>
-          <a:chOff x="0" y="0"/>
-          <a:chExt cx="0" cy="0"/>
-        </a:xfrm>
-      </p:grpSpPr>
-      <p:sp>
-        <p:nvSpPr>
-          <p:cNvPr id="2" name="Titre 1">
-            <a:extLst>
-              <a:ext uri="{FF2B5EF4-FFF2-40B4-BE49-F238E27FC236}">
                 <a16:creationId xmlns:a16="http://schemas.microsoft.com/office/drawing/2014/main" id="{2AD588C6-19EE-7BA4-6463-8F5293A34DAE}"/>
               </a:ext>
             </a:extLst>
@@ -8474,34 +8209,19 @@
               <a:rPr lang="fr-CA" dirty="0">
                 <a:hlinkClick r:id="rId2"/>
               </a:rPr>
-              <a:t>https://github.com/Noice04/ecomproject</a:t>
-            </a:r>
-            <a:r>
-              <a:rPr lang="fr-CA" dirty="0"/>
+              <a:t>https://github.com/Noice04/</a:t>
+            </a:r>
+            <a:r>
+              <a:rPr lang="fr-CA">
+                <a:hlinkClick r:id="rId2"/>
+              </a:rPr>
+              <a:t>ecomproject</a:t>
+            </a:r>
+            <a:r>
+              <a:rPr lang="fr-CA"/>
               <a:t> </a:t>
             </a:r>
-          </a:p>
-          <a:p>
-            <a:r>
-              <a:rPr lang="fr-CA" dirty="0"/>
-              <a:t>Dont </a:t>
-            </a:r>
-            <a:r>
-              <a:rPr lang="fr-CA" dirty="0" err="1"/>
-              <a:t>worry</a:t>
-            </a:r>
-            <a:r>
-              <a:rPr lang="fr-CA" dirty="0"/>
-              <a:t> </a:t>
-            </a:r>
-            <a:r>
-              <a:rPr lang="fr-CA" dirty="0" err="1"/>
-              <a:t>its</a:t>
-            </a:r>
-            <a:r>
-              <a:rPr lang="fr-CA" dirty="0"/>
-              <a:t> public</a:t>
-            </a:r>
+            <a:endParaRPr lang="fr-CA" dirty="0"/>
           </a:p>
         </p:txBody>
       </p:sp>
